--- a/c#/화면구현/화면 구현.pptx
+++ b/c#/화면구현/화면 구현.pptx
@@ -164,7 +164,7 @@
   </p:defaultTextStyle>
   <p:extLst>
     <p:ext uri="{EFAFB233-063F-42B5-8137-9DF3F51BA10A}">
-      <p15:sldGuideLst xmlns:p15="http://schemas.microsoft.com/office/powerpoint/2012/main">
+      <p15:sldGuideLst xmlns:p15="http://schemas.microsoft.com/office/powerpoint/2012/main" xmlns="">
         <p15:guide id="1" orient="horz" pos="2160">
           <p15:clr>
             <a:srgbClr val="A4A3A4"/>
@@ -375,7 +375,7 @@
           <a:p>
             <a:fld id="{36FDB5DE-AD6D-4FA1-9BD6-1FCA0D10370A}" type="datetimeFigureOut">
               <a:rPr lang="ko-KR" altLang="en-US" smtClean="0"/>
-              <a:t>2020-12-10</a:t>
+              <a:t>2020-12-11</a:t>
             </a:fld>
             <a:endParaRPr lang="ko-KR" altLang="en-US"/>
           </a:p>
@@ -540,7 +540,7 @@
           <a:p>
             <a:fld id="{36FDB5DE-AD6D-4FA1-9BD6-1FCA0D10370A}" type="datetimeFigureOut">
               <a:rPr lang="ko-KR" altLang="en-US" smtClean="0"/>
-              <a:t>2020-12-10</a:t>
+              <a:t>2020-12-11</a:t>
             </a:fld>
             <a:endParaRPr lang="ko-KR" altLang="en-US"/>
           </a:p>
@@ -715,7 +715,7 @@
           <a:p>
             <a:fld id="{36FDB5DE-AD6D-4FA1-9BD6-1FCA0D10370A}" type="datetimeFigureOut">
               <a:rPr lang="ko-KR" altLang="en-US" smtClean="0"/>
-              <a:t>2020-12-10</a:t>
+              <a:t>2020-12-11</a:t>
             </a:fld>
             <a:endParaRPr lang="ko-KR" altLang="en-US"/>
           </a:p>
@@ -880,7 +880,7 @@
           <a:p>
             <a:fld id="{36FDB5DE-AD6D-4FA1-9BD6-1FCA0D10370A}" type="datetimeFigureOut">
               <a:rPr lang="ko-KR" altLang="en-US" smtClean="0"/>
-              <a:t>2020-12-10</a:t>
+              <a:t>2020-12-11</a:t>
             </a:fld>
             <a:endParaRPr lang="ko-KR" altLang="en-US"/>
           </a:p>
@@ -1121,7 +1121,7 @@
           <a:p>
             <a:fld id="{36FDB5DE-AD6D-4FA1-9BD6-1FCA0D10370A}" type="datetimeFigureOut">
               <a:rPr lang="ko-KR" altLang="en-US" smtClean="0"/>
-              <a:t>2020-12-10</a:t>
+              <a:t>2020-12-11</a:t>
             </a:fld>
             <a:endParaRPr lang="ko-KR" altLang="en-US"/>
           </a:p>
@@ -1404,7 +1404,7 @@
           <a:p>
             <a:fld id="{36FDB5DE-AD6D-4FA1-9BD6-1FCA0D10370A}" type="datetimeFigureOut">
               <a:rPr lang="ko-KR" altLang="en-US" smtClean="0"/>
-              <a:t>2020-12-10</a:t>
+              <a:t>2020-12-11</a:t>
             </a:fld>
             <a:endParaRPr lang="ko-KR" altLang="en-US"/>
           </a:p>
@@ -1833,7 +1833,7 @@
           <a:p>
             <a:fld id="{36FDB5DE-AD6D-4FA1-9BD6-1FCA0D10370A}" type="datetimeFigureOut">
               <a:rPr lang="ko-KR" altLang="en-US" smtClean="0"/>
-              <a:t>2020-12-10</a:t>
+              <a:t>2020-12-11</a:t>
             </a:fld>
             <a:endParaRPr lang="ko-KR" altLang="en-US"/>
           </a:p>
@@ -1946,7 +1946,7 @@
           <a:p>
             <a:fld id="{36FDB5DE-AD6D-4FA1-9BD6-1FCA0D10370A}" type="datetimeFigureOut">
               <a:rPr lang="ko-KR" altLang="en-US" smtClean="0"/>
-              <a:t>2020-12-10</a:t>
+              <a:t>2020-12-11</a:t>
             </a:fld>
             <a:endParaRPr lang="ko-KR" altLang="en-US"/>
           </a:p>
@@ -2036,7 +2036,7 @@
           <a:p>
             <a:fld id="{36FDB5DE-AD6D-4FA1-9BD6-1FCA0D10370A}" type="datetimeFigureOut">
               <a:rPr lang="ko-KR" altLang="en-US" smtClean="0"/>
-              <a:t>2020-12-10</a:t>
+              <a:t>2020-12-11</a:t>
             </a:fld>
             <a:endParaRPr lang="ko-KR" altLang="en-US"/>
           </a:p>
@@ -2225,7 +2225,7 @@
           <a:p>
             <a:fld id="{36FDB5DE-AD6D-4FA1-9BD6-1FCA0D10370A}" type="datetimeFigureOut">
               <a:rPr lang="ko-KR" altLang="en-US" smtClean="0"/>
-              <a:t>2020-12-10</a:t>
+              <a:t>2020-12-11</a:t>
             </a:fld>
             <a:endParaRPr lang="ko-KR" altLang="en-US"/>
           </a:p>
@@ -2543,7 +2543,7 @@
           <a:p>
             <a:fld id="{36FDB5DE-AD6D-4FA1-9BD6-1FCA0D10370A}" type="datetimeFigureOut">
               <a:rPr lang="ko-KR" altLang="en-US" smtClean="0"/>
-              <a:t>2020-12-10</a:t>
+              <a:t>2020-12-11</a:t>
             </a:fld>
             <a:endParaRPr lang="ko-KR" altLang="en-US"/>
           </a:p>
@@ -2922,7 +2922,7 @@
           <a:p>
             <a:fld id="{36FDB5DE-AD6D-4FA1-9BD6-1FCA0D10370A}" type="datetimeFigureOut">
               <a:rPr lang="ko-KR" altLang="en-US" smtClean="0"/>
-              <a:t>2020-12-10</a:t>
+              <a:t>2020-12-11</a:t>
             </a:fld>
             <a:endParaRPr lang="ko-KR" altLang="en-US"/>
           </a:p>
@@ -3361,12 +3361,20 @@
           <a:p>
             <a:pPr lvl="1"/>
             <a:r>
-              <a:rPr lang="ko-KR" altLang="en-US" dirty="0" err="1"/>
-              <a:t>액티브엑스와</a:t>
-            </a:r>
-            <a:r>
-              <a:rPr lang="ko-KR" altLang="en-US" dirty="0"/>
-              <a:t> 액션스크립트로 많은 걸 할 수 있게 됨</a:t>
+              <a:rPr lang="ko-KR" altLang="en-US" dirty="0" smtClean="0"/>
+              <a:t>액티브 </a:t>
+            </a:r>
+            <a:r>
+              <a:rPr lang="en-US" altLang="ko-KR" dirty="0" smtClean="0"/>
+              <a:t>X</a:t>
+            </a:r>
+            <a:r>
+              <a:rPr lang="ko-KR" altLang="en-US" dirty="0" smtClean="0"/>
+              <a:t>와 </a:t>
+            </a:r>
+            <a:r>
+              <a:rPr lang="ko-KR" altLang="en-US" dirty="0"/>
+              <a:t>액션스크립트로 많은 걸 할 수 있게 됨</a:t>
             </a:r>
             <a:endParaRPr lang="en-US" altLang="ko-KR" dirty="0"/>
           </a:p>
@@ -3461,12 +3469,12 @@
               <a:t>※ </a:t>
             </a:r>
             <a:r>
-              <a:rPr lang="ko-KR" altLang="en-US" dirty="0" err="1"/>
-              <a:t>넷스케이프는</a:t>
-            </a:r>
-            <a:r>
-              <a:rPr lang="ko-KR" altLang="en-US" dirty="0"/>
-              <a:t> </a:t>
+              <a:rPr lang="en-US" altLang="ko-KR" dirty="0" smtClean="0"/>
+              <a:t>Netscape</a:t>
+            </a:r>
+            <a:r>
+              <a:rPr lang="ko-KR" altLang="en-US" dirty="0" smtClean="0"/>
+              <a:t>는 </a:t>
             </a:r>
             <a:r>
               <a:rPr lang="en-US" altLang="ko-KR" dirty="0"/>
@@ -3503,20 +3511,16 @@
               <a:t>은 </a:t>
             </a:r>
             <a:r>
-              <a:rPr lang="ko-KR" altLang="en-US" dirty="0" err="1"/>
-              <a:t>넷스케이프</a:t>
-            </a:r>
-            <a:r>
-              <a:rPr lang="ko-KR" altLang="en-US" dirty="0"/>
-              <a:t> </a:t>
-            </a:r>
-            <a:r>
-              <a:rPr lang="ko-KR" altLang="en-US" dirty="0" err="1"/>
-              <a:t>웹브라우저에</a:t>
-            </a:r>
-            <a:r>
-              <a:rPr lang="ko-KR" altLang="en-US" dirty="0"/>
-              <a:t> 광고를 달아</a:t>
+              <a:rPr lang="en-US" altLang="ko-KR" dirty="0" smtClean="0"/>
+              <a:t>Netscape</a:t>
+            </a:r>
+            <a:r>
+              <a:rPr lang="ko-KR" altLang="en-US" dirty="0" smtClean="0"/>
+              <a:t> 웹 브라우저에 </a:t>
+            </a:r>
+            <a:r>
+              <a:rPr lang="ko-KR" altLang="en-US" dirty="0"/>
+              <a:t>광고를 달아</a:t>
             </a:r>
             <a:r>
               <a:rPr lang="en-US" altLang="ko-KR" dirty="0"/>
@@ -3581,8 +3585,8 @@
               <a:t>생겼고 이 세력들이 </a:t>
             </a:r>
             <a:r>
-              <a:rPr lang="ko-KR" altLang="en-US" dirty="0" err="1"/>
-              <a:t>모질라재단이며</a:t>
+              <a:rPr lang="ko-KR" altLang="en-US" dirty="0" smtClean="0"/>
+              <a:t>모질라 재단이며</a:t>
             </a:r>
             <a:r>
               <a:rPr lang="en-US" altLang="ko-KR" dirty="0"/>
@@ -3626,6 +3630,10 @@
             <a:r>
               <a:rPr lang="ko-KR" altLang="en-US" dirty="0"/>
               <a:t>개요</a:t>
+            </a:r>
+            <a:r>
+              <a:rPr lang="en-US" altLang="ko-KR" dirty="0"/>
+              <a:t/>
             </a:r>
             <a:br>
               <a:rPr lang="en-US" altLang="ko-KR" dirty="0"/>
@@ -3652,6 +3660,13 @@
   <p:clrMapOvr>
     <a:masterClrMapping/>
   </p:clrMapOvr>
+  <p:timing>
+    <p:tnLst>
+      <p:par>
+        <p:cTn id="1" dur="indefinite" restart="never" nodeType="tmRoot"/>
+      </p:par>
+    </p:tnLst>
+  </p:timing>
 </p:sld>
 </file>
 
@@ -3700,20 +3715,24 @@
           <a:p>
             <a:pPr lvl="1"/>
             <a:r>
-              <a:rPr lang="ko-KR" altLang="en-US" dirty="0" err="1"/>
-              <a:t>엑티브엑스와</a:t>
-            </a:r>
-            <a:r>
-              <a:rPr lang="ko-KR" altLang="en-US" dirty="0"/>
-              <a:t> 플래시로 인하여 인터넷이 점점 </a:t>
-            </a:r>
-            <a:r>
-              <a:rPr lang="ko-KR" altLang="en-US" dirty="0" err="1"/>
-              <a:t>느려지게</a:t>
-            </a:r>
-            <a:r>
-              <a:rPr lang="ko-KR" altLang="en-US" dirty="0"/>
-              <a:t> 됨</a:t>
+              <a:rPr lang="ko-KR" altLang="en-US" dirty="0"/>
+              <a:t>액</a:t>
+            </a:r>
+            <a:r>
+              <a:rPr lang="ko-KR" altLang="en-US" dirty="0" smtClean="0"/>
+              <a:t>티브 </a:t>
+            </a:r>
+            <a:r>
+              <a:rPr lang="en-US" altLang="ko-KR" dirty="0" smtClean="0"/>
+              <a:t>X</a:t>
+            </a:r>
+            <a:r>
+              <a:rPr lang="ko-KR" altLang="en-US" dirty="0" smtClean="0"/>
+              <a:t>와 </a:t>
+            </a:r>
+            <a:r>
+              <a:rPr lang="ko-KR" altLang="en-US" dirty="0"/>
+              <a:t>플래시로 인하여 인터넷이 점점 느려지게 됨</a:t>
             </a:r>
             <a:endParaRPr lang="en-US" altLang="ko-KR" dirty="0"/>
           </a:p>
@@ -3812,12 +3831,8 @@
               <a:t>가 내놓은 </a:t>
             </a:r>
             <a:r>
-              <a:rPr lang="ko-KR" altLang="en-US" dirty="0" err="1"/>
-              <a:t>웹어플리케이션</a:t>
-            </a:r>
-            <a:r>
-              <a:rPr lang="ko-KR" altLang="en-US" dirty="0"/>
-              <a:t> </a:t>
+              <a:rPr lang="ko-KR" altLang="en-US" dirty="0" smtClean="0"/>
+              <a:t>웹 어플리케이션 </a:t>
             </a:r>
             <a:r>
               <a:rPr lang="en-US" altLang="ko-KR" dirty="0"/>
@@ -3872,6 +3887,10 @@
             <a:r>
               <a:rPr lang="ko-KR" altLang="en-US" dirty="0"/>
               <a:t>개요</a:t>
+            </a:r>
+            <a:r>
+              <a:rPr lang="en-US" altLang="ko-KR" dirty="0"/>
+              <a:t/>
             </a:r>
             <a:br>
               <a:rPr lang="en-US" altLang="ko-KR" dirty="0"/>
@@ -3947,12 +3966,12 @@
               <a:t>차 </a:t>
             </a:r>
             <a:r>
-              <a:rPr lang="ko-KR" altLang="en-US" dirty="0" err="1"/>
-              <a:t>웹브라우저</a:t>
-            </a:r>
-            <a:r>
-              <a:rPr lang="ko-KR" altLang="en-US" dirty="0"/>
-              <a:t> 전쟁</a:t>
+              <a:rPr lang="ko-KR" altLang="en-US" dirty="0" smtClean="0"/>
+              <a:t>웹 브라우저 </a:t>
+            </a:r>
+            <a:r>
+              <a:rPr lang="ko-KR" altLang="en-US" dirty="0"/>
+              <a:t>전쟁</a:t>
             </a:r>
             <a:endParaRPr lang="en-US" altLang="ko-KR" dirty="0"/>
           </a:p>
@@ -4005,8 +4024,8 @@
           <a:p>
             <a:pPr lvl="1"/>
             <a:r>
-              <a:rPr lang="en-US" altLang="ko-KR" dirty="0" err="1"/>
-              <a:t>Youtube</a:t>
+              <a:rPr lang="en-US" altLang="ko-KR" dirty="0" smtClean="0"/>
+              <a:t>YouTube</a:t>
             </a:r>
             <a:r>
               <a:rPr lang="en-US" altLang="ko-KR" dirty="0"/>
@@ -4102,16 +4121,20 @@
               <a:t>일부 사이트</a:t>
             </a:r>
             <a:r>
-              <a:rPr lang="en-US" altLang="ko-KR" dirty="0"/>
+              <a:rPr lang="en-US" altLang="ko-KR" dirty="0" smtClean="0"/>
               <a:t>(</a:t>
             </a:r>
             <a:r>
-              <a:rPr lang="ko-KR" altLang="en-US" dirty="0" err="1"/>
-              <a:t>워크넷</a:t>
-            </a:r>
-            <a:r>
-              <a:rPr lang="ko-KR" altLang="en-US" dirty="0"/>
-              <a:t> 등</a:t>
+              <a:rPr lang="en-US" altLang="ko-KR" dirty="0" err="1" smtClean="0"/>
+              <a:t>Worknet</a:t>
+            </a:r>
+            <a:r>
+              <a:rPr lang="ko-KR" altLang="en-US" dirty="0" smtClean="0"/>
+              <a:t> </a:t>
+            </a:r>
+            <a:r>
+              <a:rPr lang="ko-KR" altLang="en-US" dirty="0"/>
+              <a:t>등</a:t>
             </a:r>
             <a:r>
               <a:rPr lang="en-US" altLang="ko-KR" dirty="0"/>
@@ -4152,6 +4175,10 @@
             <a:r>
               <a:rPr lang="ko-KR" altLang="en-US" dirty="0"/>
               <a:t>개요</a:t>
+            </a:r>
+            <a:r>
+              <a:rPr lang="en-US" altLang="ko-KR" dirty="0"/>
+              <a:t/>
             </a:r>
             <a:br>
               <a:rPr lang="en-US" altLang="ko-KR" dirty="0"/>
@@ -4333,20 +4360,36 @@
               <a:t>) </a:t>
             </a:r>
             <a:r>
-              <a:rPr lang="ko-KR" altLang="en-US" dirty="0" err="1"/>
-              <a:t>네이버앱</a:t>
+              <a:rPr lang="ko-KR" altLang="en-US" dirty="0" err="1" smtClean="0"/>
+              <a:t>네이버</a:t>
+            </a:r>
+            <a:r>
+              <a:rPr lang="ko-KR" altLang="en-US" dirty="0" smtClean="0"/>
+              <a:t> </a:t>
+            </a:r>
+            <a:r>
+              <a:rPr lang="ko-KR" altLang="en-US" dirty="0" err="1" smtClean="0"/>
+              <a:t>앱</a:t>
             </a:r>
             <a:r>
               <a:rPr lang="en-US" altLang="ko-KR" dirty="0"/>
               <a:t>, </a:t>
             </a:r>
             <a:r>
-              <a:rPr lang="ko-KR" altLang="en-US" dirty="0" err="1"/>
-              <a:t>다음앱</a:t>
-            </a:r>
-            <a:r>
-              <a:rPr lang="ko-KR" altLang="en-US" dirty="0"/>
-              <a:t> 등</a:t>
+              <a:rPr lang="ko-KR" altLang="en-US" dirty="0" smtClean="0"/>
+              <a:t>다음 </a:t>
+            </a:r>
+            <a:r>
+              <a:rPr lang="ko-KR" altLang="en-US" dirty="0" err="1" smtClean="0"/>
+              <a:t>앱</a:t>
+            </a:r>
+            <a:r>
+              <a:rPr lang="ko-KR" altLang="en-US" dirty="0" smtClean="0"/>
+              <a:t> </a:t>
+            </a:r>
+            <a:r>
+              <a:rPr lang="ko-KR" altLang="en-US" dirty="0"/>
+              <a:t>등</a:t>
             </a:r>
             <a:endParaRPr lang="en-US" altLang="ko-KR" dirty="0"/>
           </a:p>
@@ -4401,6 +4444,10 @@
             <a:r>
               <a:rPr lang="ko-KR" altLang="en-US" dirty="0"/>
               <a:t>개요</a:t>
+            </a:r>
+            <a:r>
+              <a:rPr lang="en-US" altLang="ko-KR" dirty="0"/>
+              <a:t/>
             </a:r>
             <a:br>
               <a:rPr lang="en-US" altLang="ko-KR" dirty="0"/>
@@ -4686,6 +4733,10 @@
               <a:rPr lang="ko-KR" altLang="en-US" dirty="0"/>
               <a:t>개요</a:t>
             </a:r>
+            <a:r>
+              <a:rPr lang="en-US" altLang="ko-KR" dirty="0"/>
+              <a:t/>
+            </a:r>
             <a:br>
               <a:rPr lang="en-US" altLang="ko-KR" dirty="0"/>
             </a:br>
@@ -4908,6 +4959,10 @@
               <a:rPr lang="ko-KR" altLang="en-US" dirty="0"/>
               <a:t>개요</a:t>
             </a:r>
+            <a:r>
+              <a:rPr lang="en-US" altLang="ko-KR" dirty="0"/>
+              <a:t/>
+            </a:r>
             <a:br>
               <a:rPr lang="en-US" altLang="ko-KR" dirty="0"/>
             </a:br>
@@ -5121,6 +5176,10 @@
               <a:rPr lang="ko-KR" altLang="en-US" dirty="0"/>
               <a:t>개요</a:t>
             </a:r>
+            <a:r>
+              <a:rPr lang="en-US" altLang="ko-KR" dirty="0"/>
+              <a:t/>
+            </a:r>
             <a:br>
               <a:rPr lang="en-US" altLang="ko-KR" dirty="0"/>
             </a:br>
@@ -5353,6 +5412,10 @@
               <a:rPr lang="ko-KR" altLang="en-US" dirty="0"/>
               <a:t>기본</a:t>
             </a:r>
+            <a:r>
+              <a:rPr lang="en-US" altLang="ko-KR" dirty="0"/>
+              <a:t/>
+            </a:r>
             <a:br>
               <a:rPr lang="en-US" altLang="ko-KR" dirty="0"/>
             </a:br>
@@ -5634,6 +5697,10 @@
               <a:rPr lang="ko-KR" altLang="en-US" dirty="0"/>
               <a:t>기본</a:t>
             </a:r>
+            <a:r>
+              <a:rPr lang="en-US" altLang="ko-KR" dirty="0"/>
+              <a:t/>
+            </a:r>
             <a:br>
               <a:rPr lang="en-US" altLang="ko-KR" dirty="0"/>
             </a:br>
@@ -5654,7 +5721,7 @@
           <p:cNvPr id="5" name="그림 4">
             <a:extLst>
               <a:ext uri="{FF2B5EF4-FFF2-40B4-BE49-F238E27FC236}">
-                <a16:creationId xmlns:a16="http://schemas.microsoft.com/office/drawing/2014/main" id="{A3E4E79C-3B8C-4125-B12E-8D232A8DB31C}"/>
+                <a16:creationId xmlns:a16="http://schemas.microsoft.com/office/drawing/2014/main" xmlns="" id="{A3E4E79C-3B8C-4125-B12E-8D232A8DB31C}"/>
               </a:ext>
             </a:extLst>
           </p:cNvPr>
@@ -5831,6 +5898,10 @@
               <a:rPr lang="ko-KR" altLang="en-US" dirty="0"/>
               <a:t>기본</a:t>
             </a:r>
+            <a:r>
+              <a:rPr lang="en-US" altLang="ko-KR" dirty="0"/>
+              <a:t/>
+            </a:r>
             <a:br>
               <a:rPr lang="en-US" altLang="ko-KR" dirty="0"/>
             </a:br>
@@ -5851,7 +5922,7 @@
           <p:cNvPr id="2" name="직사각형 1">
             <a:extLst>
               <a:ext uri="{FF2B5EF4-FFF2-40B4-BE49-F238E27FC236}">
-                <a16:creationId xmlns:a16="http://schemas.microsoft.com/office/drawing/2014/main" id="{D133606C-80FF-4FA8-8793-978B6BEA5BAB}"/>
+                <a16:creationId xmlns:a16="http://schemas.microsoft.com/office/drawing/2014/main" xmlns="" id="{D133606C-80FF-4FA8-8793-978B6BEA5BAB}"/>
               </a:ext>
             </a:extLst>
           </p:cNvPr>
@@ -5898,7 +5969,7 @@
           <p:cNvPr id="6" name="TextBox 5">
             <a:extLst>
               <a:ext uri="{FF2B5EF4-FFF2-40B4-BE49-F238E27FC236}">
-                <a16:creationId xmlns:a16="http://schemas.microsoft.com/office/drawing/2014/main" id="{DD32FEBA-64C3-4761-82D0-EA22AE44D28B}"/>
+                <a16:creationId xmlns:a16="http://schemas.microsoft.com/office/drawing/2014/main" xmlns="" id="{DD32FEBA-64C3-4761-82D0-EA22AE44D28B}"/>
               </a:ext>
             </a:extLst>
           </p:cNvPr>
@@ -5934,7 +6005,7 @@
           <p:cNvPr id="7" name="TextBox 6">
             <a:extLst>
               <a:ext uri="{FF2B5EF4-FFF2-40B4-BE49-F238E27FC236}">
-                <a16:creationId xmlns:a16="http://schemas.microsoft.com/office/drawing/2014/main" id="{78FC5816-7FD1-4FB4-B377-664B68D522DF}"/>
+                <a16:creationId xmlns:a16="http://schemas.microsoft.com/office/drawing/2014/main" xmlns="" id="{78FC5816-7FD1-4FB4-B377-664B68D522DF}"/>
               </a:ext>
             </a:extLst>
           </p:cNvPr>
@@ -5969,7 +6040,7 @@
           <p:cNvPr id="8" name="TextBox 7">
             <a:extLst>
               <a:ext uri="{FF2B5EF4-FFF2-40B4-BE49-F238E27FC236}">
-                <a16:creationId xmlns:a16="http://schemas.microsoft.com/office/drawing/2014/main" id="{C241B3AC-DA1A-4F56-9705-84ED6213B6E2}"/>
+                <a16:creationId xmlns:a16="http://schemas.microsoft.com/office/drawing/2014/main" xmlns="" id="{C241B3AC-DA1A-4F56-9705-84ED6213B6E2}"/>
               </a:ext>
             </a:extLst>
           </p:cNvPr>
@@ -6004,7 +6075,7 @@
           <p:cNvPr id="9" name="타원 8">
             <a:extLst>
               <a:ext uri="{FF2B5EF4-FFF2-40B4-BE49-F238E27FC236}">
-                <a16:creationId xmlns:a16="http://schemas.microsoft.com/office/drawing/2014/main" id="{618535A9-AB80-45C4-A875-638B5A0AFA2E}"/>
+                <a16:creationId xmlns:a16="http://schemas.microsoft.com/office/drawing/2014/main" xmlns="" id="{618535A9-AB80-45C4-A875-638B5A0AFA2E}"/>
               </a:ext>
             </a:extLst>
           </p:cNvPr>
@@ -6051,7 +6122,7 @@
           <p:cNvPr id="10" name="타원 9">
             <a:extLst>
               <a:ext uri="{FF2B5EF4-FFF2-40B4-BE49-F238E27FC236}">
-                <a16:creationId xmlns:a16="http://schemas.microsoft.com/office/drawing/2014/main" id="{84717219-DC21-4E10-A12F-22563F10C131}"/>
+                <a16:creationId xmlns:a16="http://schemas.microsoft.com/office/drawing/2014/main" xmlns="" id="{84717219-DC21-4E10-A12F-22563F10C131}"/>
               </a:ext>
             </a:extLst>
           </p:cNvPr>
@@ -6098,7 +6169,7 @@
           <p:cNvPr id="12" name="직선 화살표 연결선 11">
             <a:extLst>
               <a:ext uri="{FF2B5EF4-FFF2-40B4-BE49-F238E27FC236}">
-                <a16:creationId xmlns:a16="http://schemas.microsoft.com/office/drawing/2014/main" id="{15ADF6E3-43A1-4BC0-80B4-F9438B893C03}"/>
+                <a16:creationId xmlns:a16="http://schemas.microsoft.com/office/drawing/2014/main" xmlns="" id="{15ADF6E3-43A1-4BC0-80B4-F9438B893C03}"/>
               </a:ext>
             </a:extLst>
           </p:cNvPr>
@@ -6141,7 +6212,7 @@
           <p:cNvPr id="16" name="직선 화살표 연결선 15">
             <a:extLst>
               <a:ext uri="{FF2B5EF4-FFF2-40B4-BE49-F238E27FC236}">
-                <a16:creationId xmlns:a16="http://schemas.microsoft.com/office/drawing/2014/main" id="{7B129A78-3AF8-40FF-B1F5-7B5797E806DD}"/>
+                <a16:creationId xmlns:a16="http://schemas.microsoft.com/office/drawing/2014/main" xmlns="" id="{7B129A78-3AF8-40FF-B1F5-7B5797E806DD}"/>
               </a:ext>
             </a:extLst>
           </p:cNvPr>
@@ -6519,7 +6590,7 @@
           <p:cNvPr id="27" name="그림 26">
             <a:extLst>
               <a:ext uri="{FF2B5EF4-FFF2-40B4-BE49-F238E27FC236}">
-                <a16:creationId xmlns:a16="http://schemas.microsoft.com/office/drawing/2014/main" id="{F2FEE387-332E-4860-999C-1BBCFF266864}"/>
+                <a16:creationId xmlns:a16="http://schemas.microsoft.com/office/drawing/2014/main" xmlns="" id="{F2FEE387-332E-4860-999C-1BBCFF266864}"/>
               </a:ext>
             </a:extLst>
           </p:cNvPr>
@@ -6608,6 +6679,10 @@
               <a:rPr lang="ko-KR" altLang="en-US" dirty="0"/>
               <a:t>기본</a:t>
             </a:r>
+            <a:r>
+              <a:rPr lang="en-US" altLang="ko-KR" dirty="0"/>
+              <a:t/>
+            </a:r>
             <a:br>
               <a:rPr lang="en-US" altLang="ko-KR" dirty="0"/>
             </a:br>
@@ -6628,7 +6703,7 @@
           <p:cNvPr id="13" name="직사각형 12">
             <a:extLst>
               <a:ext uri="{FF2B5EF4-FFF2-40B4-BE49-F238E27FC236}">
-                <a16:creationId xmlns:a16="http://schemas.microsoft.com/office/drawing/2014/main" id="{1EC71092-58A5-444B-811F-53411E1640ED}"/>
+                <a16:creationId xmlns:a16="http://schemas.microsoft.com/office/drawing/2014/main" xmlns="" id="{1EC71092-58A5-444B-811F-53411E1640ED}"/>
               </a:ext>
             </a:extLst>
           </p:cNvPr>
@@ -6680,7 +6755,7 @@
           <p:cNvPr id="15" name="직사각형 14">
             <a:extLst>
               <a:ext uri="{FF2B5EF4-FFF2-40B4-BE49-F238E27FC236}">
-                <a16:creationId xmlns:a16="http://schemas.microsoft.com/office/drawing/2014/main" id="{912C009F-9684-4E7D-AD88-D53A3DAA786F}"/>
+                <a16:creationId xmlns:a16="http://schemas.microsoft.com/office/drawing/2014/main" xmlns="" id="{912C009F-9684-4E7D-AD88-D53A3DAA786F}"/>
               </a:ext>
             </a:extLst>
           </p:cNvPr>
@@ -6732,7 +6807,7 @@
           <p:cNvPr id="17" name="직사각형 16">
             <a:extLst>
               <a:ext uri="{FF2B5EF4-FFF2-40B4-BE49-F238E27FC236}">
-                <a16:creationId xmlns:a16="http://schemas.microsoft.com/office/drawing/2014/main" id="{C2ABBB7E-1CB4-4BA5-8B8B-F051FD6CEA65}"/>
+                <a16:creationId xmlns:a16="http://schemas.microsoft.com/office/drawing/2014/main" xmlns="" id="{C2ABBB7E-1CB4-4BA5-8B8B-F051FD6CEA65}"/>
               </a:ext>
             </a:extLst>
           </p:cNvPr>
@@ -6784,7 +6859,7 @@
           <p:cNvPr id="18" name="직사각형 17">
             <a:extLst>
               <a:ext uri="{FF2B5EF4-FFF2-40B4-BE49-F238E27FC236}">
-                <a16:creationId xmlns:a16="http://schemas.microsoft.com/office/drawing/2014/main" id="{120B31A3-BCAB-4347-8ADC-2B22D0B0990B}"/>
+                <a16:creationId xmlns:a16="http://schemas.microsoft.com/office/drawing/2014/main" xmlns="" id="{120B31A3-BCAB-4347-8ADC-2B22D0B0990B}"/>
               </a:ext>
             </a:extLst>
           </p:cNvPr>
@@ -6836,7 +6911,7 @@
           <p:cNvPr id="19" name="직선 화살표 연결선 18">
             <a:extLst>
               <a:ext uri="{FF2B5EF4-FFF2-40B4-BE49-F238E27FC236}">
-                <a16:creationId xmlns:a16="http://schemas.microsoft.com/office/drawing/2014/main" id="{F433558F-72A6-457B-9DBA-2492ECB6C4B9}"/>
+                <a16:creationId xmlns:a16="http://schemas.microsoft.com/office/drawing/2014/main" xmlns="" id="{F433558F-72A6-457B-9DBA-2492ECB6C4B9}"/>
               </a:ext>
             </a:extLst>
           </p:cNvPr>
@@ -6880,7 +6955,7 @@
           <p:cNvPr id="20" name="직선 화살표 연결선 19">
             <a:extLst>
               <a:ext uri="{FF2B5EF4-FFF2-40B4-BE49-F238E27FC236}">
-                <a16:creationId xmlns:a16="http://schemas.microsoft.com/office/drawing/2014/main" id="{54EEBE09-3CD1-4C16-B989-DF4F0D3A81BA}"/>
+                <a16:creationId xmlns:a16="http://schemas.microsoft.com/office/drawing/2014/main" xmlns="" id="{54EEBE09-3CD1-4C16-B989-DF4F0D3A81BA}"/>
               </a:ext>
             </a:extLst>
           </p:cNvPr>
@@ -6922,7 +6997,7 @@
           <p:cNvPr id="21" name="직선 화살표 연결선 20">
             <a:extLst>
               <a:ext uri="{FF2B5EF4-FFF2-40B4-BE49-F238E27FC236}">
-                <a16:creationId xmlns:a16="http://schemas.microsoft.com/office/drawing/2014/main" id="{B15D97AA-D35A-4EE5-B2FB-9D6DA5EDD833}"/>
+                <a16:creationId xmlns:a16="http://schemas.microsoft.com/office/drawing/2014/main" xmlns="" id="{B15D97AA-D35A-4EE5-B2FB-9D6DA5EDD833}"/>
               </a:ext>
             </a:extLst>
           </p:cNvPr>
@@ -6964,7 +7039,7 @@
           <p:cNvPr id="22" name="직선 화살표 연결선 21">
             <a:extLst>
               <a:ext uri="{FF2B5EF4-FFF2-40B4-BE49-F238E27FC236}">
-                <a16:creationId xmlns:a16="http://schemas.microsoft.com/office/drawing/2014/main" id="{60216C6F-50F8-437F-A75E-19547A028E46}"/>
+                <a16:creationId xmlns:a16="http://schemas.microsoft.com/office/drawing/2014/main" xmlns="" id="{60216C6F-50F8-437F-A75E-19547A028E46}"/>
               </a:ext>
             </a:extLst>
           </p:cNvPr>
@@ -7006,7 +7081,7 @@
           <p:cNvPr id="23" name="TextBox 22">
             <a:extLst>
               <a:ext uri="{FF2B5EF4-FFF2-40B4-BE49-F238E27FC236}">
-                <a16:creationId xmlns:a16="http://schemas.microsoft.com/office/drawing/2014/main" id="{5EC5A12F-AB8F-4F03-B17F-3ADF26213135}"/>
+                <a16:creationId xmlns:a16="http://schemas.microsoft.com/office/drawing/2014/main" xmlns="" id="{5EC5A12F-AB8F-4F03-B17F-3ADF26213135}"/>
               </a:ext>
             </a:extLst>
           </p:cNvPr>
@@ -7054,7 +7129,7 @@
           <p:cNvPr id="24" name="TextBox 23">
             <a:extLst>
               <a:ext uri="{FF2B5EF4-FFF2-40B4-BE49-F238E27FC236}">
-                <a16:creationId xmlns:a16="http://schemas.microsoft.com/office/drawing/2014/main" id="{D70DF54D-AF4A-4E74-AF86-DE63E5FA76A6}"/>
+                <a16:creationId xmlns:a16="http://schemas.microsoft.com/office/drawing/2014/main" xmlns="" id="{D70DF54D-AF4A-4E74-AF86-DE63E5FA76A6}"/>
               </a:ext>
             </a:extLst>
           </p:cNvPr>
@@ -7101,7 +7176,7 @@
           <p:cNvPr id="25" name="TextBox 24">
             <a:extLst>
               <a:ext uri="{FF2B5EF4-FFF2-40B4-BE49-F238E27FC236}">
-                <a16:creationId xmlns:a16="http://schemas.microsoft.com/office/drawing/2014/main" id="{043D219E-EC48-4192-9E56-E96546913089}"/>
+                <a16:creationId xmlns:a16="http://schemas.microsoft.com/office/drawing/2014/main" xmlns="" id="{043D219E-EC48-4192-9E56-E96546913089}"/>
               </a:ext>
             </a:extLst>
           </p:cNvPr>
@@ -7168,7 +7243,7 @@
           <p:cNvPr id="28" name="TextBox 27">
             <a:extLst>
               <a:ext uri="{FF2B5EF4-FFF2-40B4-BE49-F238E27FC236}">
-                <a16:creationId xmlns:a16="http://schemas.microsoft.com/office/drawing/2014/main" id="{9158F253-0F51-4520-8D6E-D533DF4F17FE}"/>
+                <a16:creationId xmlns:a16="http://schemas.microsoft.com/office/drawing/2014/main" xmlns="" id="{9158F253-0F51-4520-8D6E-D533DF4F17FE}"/>
               </a:ext>
             </a:extLst>
           </p:cNvPr>
@@ -7335,6 +7410,10 @@
               <a:rPr lang="ko-KR" altLang="en-US" dirty="0"/>
               <a:t>기본</a:t>
             </a:r>
+            <a:r>
+              <a:rPr lang="en-US" altLang="ko-KR" dirty="0"/>
+              <a:t/>
+            </a:r>
             <a:br>
               <a:rPr lang="en-US" altLang="ko-KR" dirty="0"/>
             </a:br>
@@ -7355,7 +7434,7 @@
           <p:cNvPr id="5" name="그림 4">
             <a:extLst>
               <a:ext uri="{FF2B5EF4-FFF2-40B4-BE49-F238E27FC236}">
-                <a16:creationId xmlns:a16="http://schemas.microsoft.com/office/drawing/2014/main" id="{0C7F5123-0693-45D7-966A-F062B59D385D}"/>
+                <a16:creationId xmlns:a16="http://schemas.microsoft.com/office/drawing/2014/main" xmlns="" id="{0C7F5123-0693-45D7-966A-F062B59D385D}"/>
               </a:ext>
             </a:extLst>
           </p:cNvPr>
@@ -7385,7 +7464,7 @@
           <p:cNvPr id="26" name="직사각형 25">
             <a:extLst>
               <a:ext uri="{FF2B5EF4-FFF2-40B4-BE49-F238E27FC236}">
-                <a16:creationId xmlns:a16="http://schemas.microsoft.com/office/drawing/2014/main" id="{A1A97E9B-63F7-4FBA-BF45-C19F91795C6E}"/>
+                <a16:creationId xmlns:a16="http://schemas.microsoft.com/office/drawing/2014/main" xmlns="" id="{A1A97E9B-63F7-4FBA-BF45-C19F91795C6E}"/>
               </a:ext>
             </a:extLst>
           </p:cNvPr>
@@ -7437,7 +7516,7 @@
           <p:cNvPr id="29" name="직선 화살표 연결선 28">
             <a:extLst>
               <a:ext uri="{FF2B5EF4-FFF2-40B4-BE49-F238E27FC236}">
-                <a16:creationId xmlns:a16="http://schemas.microsoft.com/office/drawing/2014/main" id="{F529C36C-A961-44E6-808F-47E93EF43C76}"/>
+                <a16:creationId xmlns:a16="http://schemas.microsoft.com/office/drawing/2014/main" xmlns="" id="{F529C36C-A961-44E6-808F-47E93EF43C76}"/>
               </a:ext>
             </a:extLst>
           </p:cNvPr>
@@ -7482,7 +7561,7 @@
           <p:cNvPr id="30" name="TextBox 29">
             <a:extLst>
               <a:ext uri="{FF2B5EF4-FFF2-40B4-BE49-F238E27FC236}">
-                <a16:creationId xmlns:a16="http://schemas.microsoft.com/office/drawing/2014/main" id="{24A4BEDD-6FBD-47AC-BFDD-80437925EA45}"/>
+                <a16:creationId xmlns:a16="http://schemas.microsoft.com/office/drawing/2014/main" xmlns="" id="{24A4BEDD-6FBD-47AC-BFDD-80437925EA45}"/>
               </a:ext>
             </a:extLst>
           </p:cNvPr>
@@ -7534,7 +7613,7 @@
           <p:cNvPr id="31" name="직사각형 30">
             <a:extLst>
               <a:ext uri="{FF2B5EF4-FFF2-40B4-BE49-F238E27FC236}">
-                <a16:creationId xmlns:a16="http://schemas.microsoft.com/office/drawing/2014/main" id="{DB43F020-BB82-4FDB-B110-A9FD944F91BA}"/>
+                <a16:creationId xmlns:a16="http://schemas.microsoft.com/office/drawing/2014/main" xmlns="" id="{DB43F020-BB82-4FDB-B110-A9FD944F91BA}"/>
               </a:ext>
             </a:extLst>
           </p:cNvPr>
@@ -7586,7 +7665,7 @@
           <p:cNvPr id="32" name="직선 화살표 연결선 31">
             <a:extLst>
               <a:ext uri="{FF2B5EF4-FFF2-40B4-BE49-F238E27FC236}">
-                <a16:creationId xmlns:a16="http://schemas.microsoft.com/office/drawing/2014/main" id="{4A37EA11-C455-4829-B1C4-6E81C10295D5}"/>
+                <a16:creationId xmlns:a16="http://schemas.microsoft.com/office/drawing/2014/main" xmlns="" id="{4A37EA11-C455-4829-B1C4-6E81C10295D5}"/>
               </a:ext>
             </a:extLst>
           </p:cNvPr>
@@ -7630,7 +7709,7 @@
           <p:cNvPr id="33" name="TextBox 32">
             <a:extLst>
               <a:ext uri="{FF2B5EF4-FFF2-40B4-BE49-F238E27FC236}">
-                <a16:creationId xmlns:a16="http://schemas.microsoft.com/office/drawing/2014/main" id="{50B6EBEB-22C1-459C-B8D0-E2D3157F1E7E}"/>
+                <a16:creationId xmlns:a16="http://schemas.microsoft.com/office/drawing/2014/main" xmlns="" id="{50B6EBEB-22C1-459C-B8D0-E2D3157F1E7E}"/>
               </a:ext>
             </a:extLst>
           </p:cNvPr>
@@ -7669,7 +7748,7 @@
           <p:cNvPr id="34" name="직사각형 33">
             <a:extLst>
               <a:ext uri="{FF2B5EF4-FFF2-40B4-BE49-F238E27FC236}">
-                <a16:creationId xmlns:a16="http://schemas.microsoft.com/office/drawing/2014/main" id="{9FF45C09-AB6E-4B71-8D45-D67B923A70EC}"/>
+                <a16:creationId xmlns:a16="http://schemas.microsoft.com/office/drawing/2014/main" xmlns="" id="{9FF45C09-AB6E-4B71-8D45-D67B923A70EC}"/>
               </a:ext>
             </a:extLst>
           </p:cNvPr>
@@ -7721,7 +7800,7 @@
           <p:cNvPr id="35" name="TextBox 34">
             <a:extLst>
               <a:ext uri="{FF2B5EF4-FFF2-40B4-BE49-F238E27FC236}">
-                <a16:creationId xmlns:a16="http://schemas.microsoft.com/office/drawing/2014/main" id="{AC90FB8B-D1D9-4BE3-BF77-042B42289FE4}"/>
+                <a16:creationId xmlns:a16="http://schemas.microsoft.com/office/drawing/2014/main" xmlns="" id="{AC90FB8B-D1D9-4BE3-BF77-042B42289FE4}"/>
               </a:ext>
             </a:extLst>
           </p:cNvPr>
@@ -7760,7 +7839,7 @@
           <p:cNvPr id="12" name="연결선: 꺾임 11">
             <a:extLst>
               <a:ext uri="{FF2B5EF4-FFF2-40B4-BE49-F238E27FC236}">
-                <a16:creationId xmlns:a16="http://schemas.microsoft.com/office/drawing/2014/main" id="{CA39377D-5021-4850-8FE0-C79D3E60A9DB}"/>
+                <a16:creationId xmlns:a16="http://schemas.microsoft.com/office/drawing/2014/main" xmlns="" id="{CA39377D-5021-4850-8FE0-C79D3E60A9DB}"/>
               </a:ext>
             </a:extLst>
           </p:cNvPr>
@@ -7806,7 +7885,7 @@
           <p:cNvPr id="36" name="그림 35">
             <a:extLst>
               <a:ext uri="{FF2B5EF4-FFF2-40B4-BE49-F238E27FC236}">
-                <a16:creationId xmlns:a16="http://schemas.microsoft.com/office/drawing/2014/main" id="{59C4BA4C-FC0B-4A67-BB18-5D632D6F8449}"/>
+                <a16:creationId xmlns:a16="http://schemas.microsoft.com/office/drawing/2014/main" xmlns="" id="{59C4BA4C-FC0B-4A67-BB18-5D632D6F8449}"/>
               </a:ext>
             </a:extLst>
           </p:cNvPr>
@@ -7841,7 +7920,7 @@
           <p:cNvPr id="37" name="TextBox 36">
             <a:extLst>
               <a:ext uri="{FF2B5EF4-FFF2-40B4-BE49-F238E27FC236}">
-                <a16:creationId xmlns:a16="http://schemas.microsoft.com/office/drawing/2014/main" id="{C78BBA09-2EEC-42FA-8AA1-0749C036B183}"/>
+                <a16:creationId xmlns:a16="http://schemas.microsoft.com/office/drawing/2014/main" xmlns="" id="{C78BBA09-2EEC-42FA-8AA1-0749C036B183}"/>
               </a:ext>
             </a:extLst>
           </p:cNvPr>
@@ -7981,6 +8060,10 @@
               <a:rPr lang="ko-KR" altLang="en-US" dirty="0"/>
               <a:t>기본</a:t>
             </a:r>
+            <a:r>
+              <a:rPr lang="en-US" altLang="ko-KR" dirty="0"/>
+              <a:t/>
+            </a:r>
             <a:br>
               <a:rPr lang="en-US" altLang="ko-KR" dirty="0"/>
             </a:br>
@@ -8001,7 +8084,7 @@
           <p:cNvPr id="6" name="그림 5">
             <a:extLst>
               <a:ext uri="{FF2B5EF4-FFF2-40B4-BE49-F238E27FC236}">
-                <a16:creationId xmlns:a16="http://schemas.microsoft.com/office/drawing/2014/main" id="{43BEAF29-0365-4A8C-9FC6-0D8605D4C38C}"/>
+                <a16:creationId xmlns:a16="http://schemas.microsoft.com/office/drawing/2014/main" xmlns="" id="{43BEAF29-0365-4A8C-9FC6-0D8605D4C38C}"/>
               </a:ext>
             </a:extLst>
           </p:cNvPr>
@@ -8140,6 +8223,10 @@
               <a:rPr lang="ko-KR" altLang="en-US" dirty="0"/>
               <a:t>기본</a:t>
             </a:r>
+            <a:r>
+              <a:rPr lang="en-US" altLang="ko-KR" dirty="0"/>
+              <a:t/>
+            </a:r>
             <a:br>
               <a:rPr lang="en-US" altLang="ko-KR" dirty="0"/>
             </a:br>
@@ -8160,7 +8247,7 @@
           <p:cNvPr id="5" name="그림 4">
             <a:extLst>
               <a:ext uri="{FF2B5EF4-FFF2-40B4-BE49-F238E27FC236}">
-                <a16:creationId xmlns:a16="http://schemas.microsoft.com/office/drawing/2014/main" id="{4E5F3678-8047-4C18-BF5D-902F019BCF13}"/>
+                <a16:creationId xmlns:a16="http://schemas.microsoft.com/office/drawing/2014/main" xmlns="" id="{4E5F3678-8047-4C18-BF5D-902F019BCF13}"/>
               </a:ext>
             </a:extLst>
           </p:cNvPr>
@@ -8190,7 +8277,7 @@
           <p:cNvPr id="8" name="그림 7">
             <a:extLst>
               <a:ext uri="{FF2B5EF4-FFF2-40B4-BE49-F238E27FC236}">
-                <a16:creationId xmlns:a16="http://schemas.microsoft.com/office/drawing/2014/main" id="{9E399D2C-9DD3-46FC-B72E-14EB56292180}"/>
+                <a16:creationId xmlns:a16="http://schemas.microsoft.com/office/drawing/2014/main" xmlns="" id="{9E399D2C-9DD3-46FC-B72E-14EB56292180}"/>
               </a:ext>
             </a:extLst>
           </p:cNvPr>
@@ -8377,6 +8464,10 @@
               <a:rPr lang="ko-KR" altLang="en-US" dirty="0"/>
               <a:t>기본</a:t>
             </a:r>
+            <a:r>
+              <a:rPr lang="en-US" altLang="ko-KR" dirty="0"/>
+              <a:t/>
+            </a:r>
             <a:br>
               <a:rPr lang="en-US" altLang="ko-KR" dirty="0"/>
             </a:br>
@@ -8397,7 +8488,7 @@
           <p:cNvPr id="6" name="그림 5">
             <a:extLst>
               <a:ext uri="{FF2B5EF4-FFF2-40B4-BE49-F238E27FC236}">
-                <a16:creationId xmlns:a16="http://schemas.microsoft.com/office/drawing/2014/main" id="{07A2E3C8-0A77-43FC-8425-12A05DCB2E43}"/>
+                <a16:creationId xmlns:a16="http://schemas.microsoft.com/office/drawing/2014/main" xmlns="" id="{07A2E3C8-0A77-43FC-8425-12A05DCB2E43}"/>
               </a:ext>
             </a:extLst>
           </p:cNvPr>
@@ -8427,7 +8518,7 @@
           <p:cNvPr id="9" name="그림 8">
             <a:extLst>
               <a:ext uri="{FF2B5EF4-FFF2-40B4-BE49-F238E27FC236}">
-                <a16:creationId xmlns:a16="http://schemas.microsoft.com/office/drawing/2014/main" id="{DB426AC2-7DF9-4E1D-8EA5-DE920F59BA38}"/>
+                <a16:creationId xmlns:a16="http://schemas.microsoft.com/office/drawing/2014/main" xmlns="" id="{DB426AC2-7DF9-4E1D-8EA5-DE920F59BA38}"/>
               </a:ext>
             </a:extLst>
           </p:cNvPr>
@@ -8457,7 +8548,7 @@
           <p:cNvPr id="10" name="직사각형 9">
             <a:extLst>
               <a:ext uri="{FF2B5EF4-FFF2-40B4-BE49-F238E27FC236}">
-                <a16:creationId xmlns:a16="http://schemas.microsoft.com/office/drawing/2014/main" id="{ED4AB52F-E025-49A7-925E-668477C161B7}"/>
+                <a16:creationId xmlns:a16="http://schemas.microsoft.com/office/drawing/2014/main" xmlns="" id="{ED4AB52F-E025-49A7-925E-668477C161B7}"/>
               </a:ext>
             </a:extLst>
           </p:cNvPr>
@@ -8509,7 +8600,7 @@
           <p:cNvPr id="11" name="직선 화살표 연결선 10">
             <a:extLst>
               <a:ext uri="{FF2B5EF4-FFF2-40B4-BE49-F238E27FC236}">
-                <a16:creationId xmlns:a16="http://schemas.microsoft.com/office/drawing/2014/main" id="{EC927876-2BD2-475F-88CA-806998CD4CBF}"/>
+                <a16:creationId xmlns:a16="http://schemas.microsoft.com/office/drawing/2014/main" xmlns="" id="{EC927876-2BD2-475F-88CA-806998CD4CBF}"/>
               </a:ext>
             </a:extLst>
           </p:cNvPr>
@@ -8554,7 +8645,7 @@
           <p:cNvPr id="13" name="직사각형 12">
             <a:extLst>
               <a:ext uri="{FF2B5EF4-FFF2-40B4-BE49-F238E27FC236}">
-                <a16:creationId xmlns:a16="http://schemas.microsoft.com/office/drawing/2014/main" id="{111514AC-B67B-4826-AAB8-5CEC0494FCD2}"/>
+                <a16:creationId xmlns:a16="http://schemas.microsoft.com/office/drawing/2014/main" xmlns="" id="{111514AC-B67B-4826-AAB8-5CEC0494FCD2}"/>
               </a:ext>
             </a:extLst>
           </p:cNvPr>
@@ -8606,7 +8697,7 @@
           <p:cNvPr id="14" name="직선 화살표 연결선 13">
             <a:extLst>
               <a:ext uri="{FF2B5EF4-FFF2-40B4-BE49-F238E27FC236}">
-                <a16:creationId xmlns:a16="http://schemas.microsoft.com/office/drawing/2014/main" id="{BC90EE1B-8A8D-45FA-903D-603B4F4BEDEF}"/>
+                <a16:creationId xmlns:a16="http://schemas.microsoft.com/office/drawing/2014/main" xmlns="" id="{BC90EE1B-8A8D-45FA-903D-603B4F4BEDEF}"/>
               </a:ext>
             </a:extLst>
           </p:cNvPr>
@@ -8651,7 +8742,7 @@
           <p:cNvPr id="16" name="직사각형 15">
             <a:extLst>
               <a:ext uri="{FF2B5EF4-FFF2-40B4-BE49-F238E27FC236}">
-                <a16:creationId xmlns:a16="http://schemas.microsoft.com/office/drawing/2014/main" id="{067E8270-9560-4A02-9FA8-6565FE63CE10}"/>
+                <a16:creationId xmlns:a16="http://schemas.microsoft.com/office/drawing/2014/main" xmlns="" id="{067E8270-9560-4A02-9FA8-6565FE63CE10}"/>
               </a:ext>
             </a:extLst>
           </p:cNvPr>
@@ -8703,7 +8794,7 @@
           <p:cNvPr id="17" name="직선 화살표 연결선 16">
             <a:extLst>
               <a:ext uri="{FF2B5EF4-FFF2-40B4-BE49-F238E27FC236}">
-                <a16:creationId xmlns:a16="http://schemas.microsoft.com/office/drawing/2014/main" id="{74A7CAAB-D571-45A9-801C-CF05BC33788F}"/>
+                <a16:creationId xmlns:a16="http://schemas.microsoft.com/office/drawing/2014/main" xmlns="" id="{74A7CAAB-D571-45A9-801C-CF05BC33788F}"/>
               </a:ext>
             </a:extLst>
           </p:cNvPr>
@@ -8748,7 +8839,7 @@
           <p:cNvPr id="23" name="직사각형 22">
             <a:extLst>
               <a:ext uri="{FF2B5EF4-FFF2-40B4-BE49-F238E27FC236}">
-                <a16:creationId xmlns:a16="http://schemas.microsoft.com/office/drawing/2014/main" id="{D966F5B0-55FB-4566-B4A1-8CBC2227C909}"/>
+                <a16:creationId xmlns:a16="http://schemas.microsoft.com/office/drawing/2014/main" xmlns="" id="{D966F5B0-55FB-4566-B4A1-8CBC2227C909}"/>
               </a:ext>
             </a:extLst>
           </p:cNvPr>
@@ -8800,7 +8891,7 @@
           <p:cNvPr id="24" name="직사각형 23">
             <a:extLst>
               <a:ext uri="{FF2B5EF4-FFF2-40B4-BE49-F238E27FC236}">
-                <a16:creationId xmlns:a16="http://schemas.microsoft.com/office/drawing/2014/main" id="{9D9B2A90-7DA5-4CBE-815C-DC2AAF6BB586}"/>
+                <a16:creationId xmlns:a16="http://schemas.microsoft.com/office/drawing/2014/main" xmlns="" id="{9D9B2A90-7DA5-4CBE-815C-DC2AAF6BB586}"/>
               </a:ext>
             </a:extLst>
           </p:cNvPr>
@@ -8882,7 +8973,7 @@
           <p:cNvPr id="26" name="그림 25">
             <a:extLst>
               <a:ext uri="{FF2B5EF4-FFF2-40B4-BE49-F238E27FC236}">
-                <a16:creationId xmlns:a16="http://schemas.microsoft.com/office/drawing/2014/main" id="{FB663D06-5215-4CE5-8E34-AFC6285084DD}"/>
+                <a16:creationId xmlns:a16="http://schemas.microsoft.com/office/drawing/2014/main" xmlns="" id="{FB663D06-5215-4CE5-8E34-AFC6285084DD}"/>
               </a:ext>
             </a:extLst>
           </p:cNvPr>
@@ -9044,6 +9135,10 @@
               <a:rPr lang="ko-KR" altLang="en-US" dirty="0"/>
               <a:t>기본</a:t>
             </a:r>
+            <a:r>
+              <a:rPr lang="en-US" altLang="ko-KR" dirty="0"/>
+              <a:t/>
+            </a:r>
             <a:br>
               <a:rPr lang="en-US" altLang="ko-KR" dirty="0"/>
             </a:br>
@@ -9064,7 +9159,7 @@
           <p:cNvPr id="8" name="그림 7">
             <a:extLst>
               <a:ext uri="{FF2B5EF4-FFF2-40B4-BE49-F238E27FC236}">
-                <a16:creationId xmlns:a16="http://schemas.microsoft.com/office/drawing/2014/main" id="{2C253B41-288B-4240-B395-1A5A4C2E79AF}"/>
+                <a16:creationId xmlns:a16="http://schemas.microsoft.com/office/drawing/2014/main" xmlns="" id="{2C253B41-288B-4240-B395-1A5A4C2E79AF}"/>
               </a:ext>
             </a:extLst>
           </p:cNvPr>
@@ -9094,7 +9189,7 @@
           <p:cNvPr id="15" name="그림 14">
             <a:extLst>
               <a:ext uri="{FF2B5EF4-FFF2-40B4-BE49-F238E27FC236}">
-                <a16:creationId xmlns:a16="http://schemas.microsoft.com/office/drawing/2014/main" id="{31110068-ED00-4062-85AE-91827F4CA762}"/>
+                <a16:creationId xmlns:a16="http://schemas.microsoft.com/office/drawing/2014/main" xmlns="" id="{31110068-ED00-4062-85AE-91827F4CA762}"/>
               </a:ext>
             </a:extLst>
           </p:cNvPr>
@@ -9124,7 +9219,7 @@
           <p:cNvPr id="20" name="그림 19">
             <a:extLst>
               <a:ext uri="{FF2B5EF4-FFF2-40B4-BE49-F238E27FC236}">
-                <a16:creationId xmlns:a16="http://schemas.microsoft.com/office/drawing/2014/main" id="{2D952413-CFD6-47A5-A566-185C9F07F720}"/>
+                <a16:creationId xmlns:a16="http://schemas.microsoft.com/office/drawing/2014/main" xmlns="" id="{2D952413-CFD6-47A5-A566-185C9F07F720}"/>
               </a:ext>
             </a:extLst>
           </p:cNvPr>
@@ -9154,7 +9249,7 @@
           <p:cNvPr id="22" name="그림 21">
             <a:extLst>
               <a:ext uri="{FF2B5EF4-FFF2-40B4-BE49-F238E27FC236}">
-                <a16:creationId xmlns:a16="http://schemas.microsoft.com/office/drawing/2014/main" id="{E1909DB0-C43E-4CBF-95AA-2DEB38A01C91}"/>
+                <a16:creationId xmlns:a16="http://schemas.microsoft.com/office/drawing/2014/main" xmlns="" id="{E1909DB0-C43E-4CBF-95AA-2DEB38A01C91}"/>
               </a:ext>
             </a:extLst>
           </p:cNvPr>
@@ -9184,7 +9279,7 @@
           <p:cNvPr id="28" name="그림 27">
             <a:extLst>
               <a:ext uri="{FF2B5EF4-FFF2-40B4-BE49-F238E27FC236}">
-                <a16:creationId xmlns:a16="http://schemas.microsoft.com/office/drawing/2014/main" id="{F4008A56-6DA2-4EE4-BEB3-217040DB7992}"/>
+                <a16:creationId xmlns:a16="http://schemas.microsoft.com/office/drawing/2014/main" xmlns="" id="{F4008A56-6DA2-4EE4-BEB3-217040DB7992}"/>
               </a:ext>
             </a:extLst>
           </p:cNvPr>
@@ -9214,7 +9309,7 @@
           <p:cNvPr id="29" name="직사각형 28">
             <a:extLst>
               <a:ext uri="{FF2B5EF4-FFF2-40B4-BE49-F238E27FC236}">
-                <a16:creationId xmlns:a16="http://schemas.microsoft.com/office/drawing/2014/main" id="{8499CC66-4F53-4BC6-BF67-FCD08D3CFACF}"/>
+                <a16:creationId xmlns:a16="http://schemas.microsoft.com/office/drawing/2014/main" xmlns="" id="{8499CC66-4F53-4BC6-BF67-FCD08D3CFACF}"/>
               </a:ext>
             </a:extLst>
           </p:cNvPr>
@@ -9266,7 +9361,7 @@
           <p:cNvPr id="30" name="직선 화살표 연결선 29">
             <a:extLst>
               <a:ext uri="{FF2B5EF4-FFF2-40B4-BE49-F238E27FC236}">
-                <a16:creationId xmlns:a16="http://schemas.microsoft.com/office/drawing/2014/main" id="{EB04908B-AF79-4D4D-9882-E7A81E777FAC}"/>
+                <a16:creationId xmlns:a16="http://schemas.microsoft.com/office/drawing/2014/main" xmlns="" id="{EB04908B-AF79-4D4D-9882-E7A81E777FAC}"/>
               </a:ext>
             </a:extLst>
           </p:cNvPr>
@@ -9312,7 +9407,7 @@
           <p:cNvPr id="31" name="직사각형 30">
             <a:extLst>
               <a:ext uri="{FF2B5EF4-FFF2-40B4-BE49-F238E27FC236}">
-                <a16:creationId xmlns:a16="http://schemas.microsoft.com/office/drawing/2014/main" id="{E5580FC7-3780-4CAF-A82E-4E983BED4828}"/>
+                <a16:creationId xmlns:a16="http://schemas.microsoft.com/office/drawing/2014/main" xmlns="" id="{E5580FC7-3780-4CAF-A82E-4E983BED4828}"/>
               </a:ext>
             </a:extLst>
           </p:cNvPr>
@@ -9364,7 +9459,7 @@
           <p:cNvPr id="34" name="TextBox 33">
             <a:extLst>
               <a:ext uri="{FF2B5EF4-FFF2-40B4-BE49-F238E27FC236}">
-                <a16:creationId xmlns:a16="http://schemas.microsoft.com/office/drawing/2014/main" id="{A7D94A8E-0595-4BF0-AB8E-E19D84BA333E}"/>
+                <a16:creationId xmlns:a16="http://schemas.microsoft.com/office/drawing/2014/main" xmlns="" id="{A7D94A8E-0595-4BF0-AB8E-E19D84BA333E}"/>
               </a:ext>
             </a:extLst>
           </p:cNvPr>
@@ -9399,7 +9494,7 @@
           <p:cNvPr id="35" name="TextBox 34">
             <a:extLst>
               <a:ext uri="{FF2B5EF4-FFF2-40B4-BE49-F238E27FC236}">
-                <a16:creationId xmlns:a16="http://schemas.microsoft.com/office/drawing/2014/main" id="{A91B14CE-9A8E-43A6-B45A-56054AF06484}"/>
+                <a16:creationId xmlns:a16="http://schemas.microsoft.com/office/drawing/2014/main" xmlns="" id="{A91B14CE-9A8E-43A6-B45A-56054AF06484}"/>
               </a:ext>
             </a:extLst>
           </p:cNvPr>
@@ -9502,6 +9597,10 @@
               <a:rPr lang="ko-KR" altLang="en-US" dirty="0"/>
               <a:t>기본</a:t>
             </a:r>
+            <a:r>
+              <a:rPr lang="en-US" altLang="ko-KR" dirty="0"/>
+              <a:t/>
+            </a:r>
             <a:br>
               <a:rPr lang="en-US" altLang="ko-KR" dirty="0"/>
             </a:br>
@@ -9522,7 +9621,7 @@
           <p:cNvPr id="5" name="내용 개체 틀 4">
             <a:extLst>
               <a:ext uri="{FF2B5EF4-FFF2-40B4-BE49-F238E27FC236}">
-                <a16:creationId xmlns:a16="http://schemas.microsoft.com/office/drawing/2014/main" id="{C4A94C98-984F-4B39-B5CB-E6BAA266789A}"/>
+                <a16:creationId xmlns:a16="http://schemas.microsoft.com/office/drawing/2014/main" xmlns="" id="{C4A94C98-984F-4B39-B5CB-E6BAA266789A}"/>
               </a:ext>
             </a:extLst>
           </p:cNvPr>
@@ -9698,6 +9797,10 @@
               <a:rPr lang="ko-KR" altLang="en-US" dirty="0"/>
               <a:t>기본</a:t>
             </a:r>
+            <a:r>
+              <a:rPr lang="en-US" altLang="ko-KR" dirty="0"/>
+              <a:t/>
+            </a:r>
             <a:br>
               <a:rPr lang="en-US" altLang="ko-KR" dirty="0"/>
             </a:br>
@@ -9718,7 +9821,7 @@
           <p:cNvPr id="5" name="내용 개체 틀 4">
             <a:extLst>
               <a:ext uri="{FF2B5EF4-FFF2-40B4-BE49-F238E27FC236}">
-                <a16:creationId xmlns:a16="http://schemas.microsoft.com/office/drawing/2014/main" id="{C4A94C98-984F-4B39-B5CB-E6BAA266789A}"/>
+                <a16:creationId xmlns:a16="http://schemas.microsoft.com/office/drawing/2014/main" xmlns="" id="{C4A94C98-984F-4B39-B5CB-E6BAA266789A}"/>
               </a:ext>
             </a:extLst>
           </p:cNvPr>
@@ -9809,7 +9912,7 @@
           <p:cNvPr id="3" name="그림 2">
             <a:extLst>
               <a:ext uri="{FF2B5EF4-FFF2-40B4-BE49-F238E27FC236}">
-                <a16:creationId xmlns:a16="http://schemas.microsoft.com/office/drawing/2014/main" id="{DA08E372-0E6C-4825-BA64-406495C8C720}"/>
+                <a16:creationId xmlns:a16="http://schemas.microsoft.com/office/drawing/2014/main" xmlns="" id="{DA08E372-0E6C-4825-BA64-406495C8C720}"/>
               </a:ext>
             </a:extLst>
           </p:cNvPr>
@@ -9839,7 +9942,7 @@
           <p:cNvPr id="7" name="그림 6">
             <a:extLst>
               <a:ext uri="{FF2B5EF4-FFF2-40B4-BE49-F238E27FC236}">
-                <a16:creationId xmlns:a16="http://schemas.microsoft.com/office/drawing/2014/main" id="{FE1828BD-0F32-47C2-B280-12C28723FB21}"/>
+                <a16:creationId xmlns:a16="http://schemas.microsoft.com/office/drawing/2014/main" xmlns="" id="{FE1828BD-0F32-47C2-B280-12C28723FB21}"/>
               </a:ext>
             </a:extLst>
           </p:cNvPr>
@@ -9869,7 +9972,7 @@
           <p:cNvPr id="9" name="그림 8">
             <a:extLst>
               <a:ext uri="{FF2B5EF4-FFF2-40B4-BE49-F238E27FC236}">
-                <a16:creationId xmlns:a16="http://schemas.microsoft.com/office/drawing/2014/main" id="{E0453A67-22CF-42DE-A3DD-43BF1D028A90}"/>
+                <a16:creationId xmlns:a16="http://schemas.microsoft.com/office/drawing/2014/main" xmlns="" id="{E0453A67-22CF-42DE-A3DD-43BF1D028A90}"/>
               </a:ext>
             </a:extLst>
           </p:cNvPr>
@@ -9899,7 +10002,7 @@
           <p:cNvPr id="11" name="그림 10">
             <a:extLst>
               <a:ext uri="{FF2B5EF4-FFF2-40B4-BE49-F238E27FC236}">
-                <a16:creationId xmlns:a16="http://schemas.microsoft.com/office/drawing/2014/main" id="{AE9D7A58-F941-4B8B-815B-16F4A553304B}"/>
+                <a16:creationId xmlns:a16="http://schemas.microsoft.com/office/drawing/2014/main" xmlns="" id="{AE9D7A58-F941-4B8B-815B-16F4A553304B}"/>
               </a:ext>
             </a:extLst>
           </p:cNvPr>
@@ -9982,6 +10085,10 @@
               <a:rPr lang="ko-KR" altLang="en-US" dirty="0"/>
               <a:t>기본</a:t>
             </a:r>
+            <a:r>
+              <a:rPr lang="en-US" altLang="ko-KR" dirty="0"/>
+              <a:t/>
+            </a:r>
             <a:br>
               <a:rPr lang="en-US" altLang="ko-KR" dirty="0"/>
             </a:br>
@@ -10002,7 +10109,7 @@
           <p:cNvPr id="5" name="내용 개체 틀 4">
             <a:extLst>
               <a:ext uri="{FF2B5EF4-FFF2-40B4-BE49-F238E27FC236}">
-                <a16:creationId xmlns:a16="http://schemas.microsoft.com/office/drawing/2014/main" id="{C4A94C98-984F-4B39-B5CB-E6BAA266789A}"/>
+                <a16:creationId xmlns:a16="http://schemas.microsoft.com/office/drawing/2014/main" xmlns="" id="{C4A94C98-984F-4B39-B5CB-E6BAA266789A}"/>
               </a:ext>
             </a:extLst>
           </p:cNvPr>
@@ -10073,7 +10180,7 @@
           <p:cNvPr id="6" name="그림 5">
             <a:extLst>
               <a:ext uri="{FF2B5EF4-FFF2-40B4-BE49-F238E27FC236}">
-                <a16:creationId xmlns:a16="http://schemas.microsoft.com/office/drawing/2014/main" id="{7F6573E8-0487-406A-A366-0229A9DBFB11}"/>
+                <a16:creationId xmlns:a16="http://schemas.microsoft.com/office/drawing/2014/main" xmlns="" id="{7F6573E8-0487-406A-A366-0229A9DBFB11}"/>
               </a:ext>
             </a:extLst>
           </p:cNvPr>
@@ -10103,7 +10210,7 @@
           <p:cNvPr id="10" name="그림 9">
             <a:extLst>
               <a:ext uri="{FF2B5EF4-FFF2-40B4-BE49-F238E27FC236}">
-                <a16:creationId xmlns:a16="http://schemas.microsoft.com/office/drawing/2014/main" id="{ADECD6F8-A23F-4829-99AF-CB03B89734CB}"/>
+                <a16:creationId xmlns:a16="http://schemas.microsoft.com/office/drawing/2014/main" xmlns="" id="{ADECD6F8-A23F-4829-99AF-CB03B89734CB}"/>
               </a:ext>
             </a:extLst>
           </p:cNvPr>
@@ -10186,6 +10293,10 @@
               <a:rPr lang="ko-KR" altLang="en-US" dirty="0"/>
               <a:t>기본</a:t>
             </a:r>
+            <a:r>
+              <a:rPr lang="en-US" altLang="ko-KR" dirty="0"/>
+              <a:t/>
+            </a:r>
             <a:br>
               <a:rPr lang="en-US" altLang="ko-KR" dirty="0"/>
             </a:br>
@@ -10206,7 +10317,7 @@
           <p:cNvPr id="5" name="내용 개체 틀 4">
             <a:extLst>
               <a:ext uri="{FF2B5EF4-FFF2-40B4-BE49-F238E27FC236}">
-                <a16:creationId xmlns:a16="http://schemas.microsoft.com/office/drawing/2014/main" id="{C4A94C98-984F-4B39-B5CB-E6BAA266789A}"/>
+                <a16:creationId xmlns:a16="http://schemas.microsoft.com/office/drawing/2014/main" xmlns="" id="{C4A94C98-984F-4B39-B5CB-E6BAA266789A}"/>
               </a:ext>
             </a:extLst>
           </p:cNvPr>
@@ -10251,7 +10362,7 @@
           <p:cNvPr id="6" name="그림 5">
             <a:extLst>
               <a:ext uri="{FF2B5EF4-FFF2-40B4-BE49-F238E27FC236}">
-                <a16:creationId xmlns:a16="http://schemas.microsoft.com/office/drawing/2014/main" id="{F9C9CBD5-422C-4339-8AFC-DEF4A566C654}"/>
+                <a16:creationId xmlns:a16="http://schemas.microsoft.com/office/drawing/2014/main" xmlns="" id="{F9C9CBD5-422C-4339-8AFC-DEF4A566C654}"/>
               </a:ext>
             </a:extLst>
           </p:cNvPr>
@@ -10281,7 +10392,7 @@
           <p:cNvPr id="10" name="직사각형 9">
             <a:extLst>
               <a:ext uri="{FF2B5EF4-FFF2-40B4-BE49-F238E27FC236}">
-                <a16:creationId xmlns:a16="http://schemas.microsoft.com/office/drawing/2014/main" id="{FA434B53-37E2-4AA3-BDE1-B361EDC69626}"/>
+                <a16:creationId xmlns:a16="http://schemas.microsoft.com/office/drawing/2014/main" xmlns="" id="{FA434B53-37E2-4AA3-BDE1-B361EDC69626}"/>
               </a:ext>
             </a:extLst>
           </p:cNvPr>
@@ -10578,6 +10689,10 @@
               <a:rPr lang="ko-KR" altLang="en-US" dirty="0"/>
               <a:t>기본</a:t>
             </a:r>
+            <a:r>
+              <a:rPr lang="en-US" altLang="ko-KR" dirty="0"/>
+              <a:t/>
+            </a:r>
             <a:br>
               <a:rPr lang="en-US" altLang="ko-KR" dirty="0"/>
             </a:br>
@@ -10598,7 +10713,7 @@
           <p:cNvPr id="5" name="내용 개체 틀 4">
             <a:extLst>
               <a:ext uri="{FF2B5EF4-FFF2-40B4-BE49-F238E27FC236}">
-                <a16:creationId xmlns:a16="http://schemas.microsoft.com/office/drawing/2014/main" id="{C4A94C98-984F-4B39-B5CB-E6BAA266789A}"/>
+                <a16:creationId xmlns:a16="http://schemas.microsoft.com/office/drawing/2014/main" xmlns="" id="{C4A94C98-984F-4B39-B5CB-E6BAA266789A}"/>
               </a:ext>
             </a:extLst>
           </p:cNvPr>
@@ -10677,7 +10792,7 @@
           <p:cNvPr id="3" name="그림 2">
             <a:extLst>
               <a:ext uri="{FF2B5EF4-FFF2-40B4-BE49-F238E27FC236}">
-                <a16:creationId xmlns:a16="http://schemas.microsoft.com/office/drawing/2014/main" id="{4D8C258D-A5FD-4512-BC7C-E050186BC760}"/>
+                <a16:creationId xmlns:a16="http://schemas.microsoft.com/office/drawing/2014/main" xmlns="" id="{4D8C258D-A5FD-4512-BC7C-E050186BC760}"/>
               </a:ext>
             </a:extLst>
           </p:cNvPr>
@@ -10707,7 +10822,7 @@
           <p:cNvPr id="8" name="그림 7">
             <a:extLst>
               <a:ext uri="{FF2B5EF4-FFF2-40B4-BE49-F238E27FC236}">
-                <a16:creationId xmlns:a16="http://schemas.microsoft.com/office/drawing/2014/main" id="{40A1292F-E5BF-465F-94C3-DD0CDE3D71D9}"/>
+                <a16:creationId xmlns:a16="http://schemas.microsoft.com/office/drawing/2014/main" xmlns="" id="{40A1292F-E5BF-465F-94C3-DD0CDE3D71D9}"/>
               </a:ext>
             </a:extLst>
           </p:cNvPr>
@@ -10790,6 +10905,10 @@
               <a:rPr lang="ko-KR" altLang="en-US" dirty="0"/>
               <a:t>기본</a:t>
             </a:r>
+            <a:r>
+              <a:rPr lang="en-US" altLang="ko-KR" dirty="0"/>
+              <a:t/>
+            </a:r>
             <a:br>
               <a:rPr lang="en-US" altLang="ko-KR" dirty="0"/>
             </a:br>
@@ -10810,7 +10929,7 @@
           <p:cNvPr id="5" name="내용 개체 틀 4">
             <a:extLst>
               <a:ext uri="{FF2B5EF4-FFF2-40B4-BE49-F238E27FC236}">
-                <a16:creationId xmlns:a16="http://schemas.microsoft.com/office/drawing/2014/main" id="{C4A94C98-984F-4B39-B5CB-E6BAA266789A}"/>
+                <a16:creationId xmlns:a16="http://schemas.microsoft.com/office/drawing/2014/main" xmlns="" id="{C4A94C98-984F-4B39-B5CB-E6BAA266789A}"/>
               </a:ext>
             </a:extLst>
           </p:cNvPr>
@@ -10843,7 +10962,7 @@
           <p:cNvPr id="6" name="그림 5">
             <a:extLst>
               <a:ext uri="{FF2B5EF4-FFF2-40B4-BE49-F238E27FC236}">
-                <a16:creationId xmlns:a16="http://schemas.microsoft.com/office/drawing/2014/main" id="{B64AB97A-9ABF-413C-B4C3-C1266A3022C2}"/>
+                <a16:creationId xmlns:a16="http://schemas.microsoft.com/office/drawing/2014/main" xmlns="" id="{B64AB97A-9ABF-413C-B4C3-C1266A3022C2}"/>
               </a:ext>
             </a:extLst>
           </p:cNvPr>
@@ -10873,7 +10992,7 @@
           <p:cNvPr id="9" name="그림 8">
             <a:extLst>
               <a:ext uri="{FF2B5EF4-FFF2-40B4-BE49-F238E27FC236}">
-                <a16:creationId xmlns:a16="http://schemas.microsoft.com/office/drawing/2014/main" id="{BBC89C51-1E5F-4934-9E9A-3989382DD306}"/>
+                <a16:creationId xmlns:a16="http://schemas.microsoft.com/office/drawing/2014/main" xmlns="" id="{BBC89C51-1E5F-4934-9E9A-3989382DD306}"/>
               </a:ext>
             </a:extLst>
           </p:cNvPr>
@@ -10956,6 +11075,10 @@
               <a:rPr lang="ko-KR" altLang="en-US" dirty="0"/>
               <a:t>기본</a:t>
             </a:r>
+            <a:r>
+              <a:rPr lang="en-US" altLang="ko-KR" dirty="0"/>
+              <a:t/>
+            </a:r>
             <a:br>
               <a:rPr lang="en-US" altLang="ko-KR" dirty="0"/>
             </a:br>
@@ -10976,7 +11099,7 @@
           <p:cNvPr id="5" name="내용 개체 틀 4">
             <a:extLst>
               <a:ext uri="{FF2B5EF4-FFF2-40B4-BE49-F238E27FC236}">
-                <a16:creationId xmlns:a16="http://schemas.microsoft.com/office/drawing/2014/main" id="{C4A94C98-984F-4B39-B5CB-E6BAA266789A}"/>
+                <a16:creationId xmlns:a16="http://schemas.microsoft.com/office/drawing/2014/main" xmlns="" id="{C4A94C98-984F-4B39-B5CB-E6BAA266789A}"/>
               </a:ext>
             </a:extLst>
           </p:cNvPr>
@@ -11084,7 +11207,7 @@
           <p:cNvPr id="3" name="그림 2">
             <a:extLst>
               <a:ext uri="{FF2B5EF4-FFF2-40B4-BE49-F238E27FC236}">
-                <a16:creationId xmlns:a16="http://schemas.microsoft.com/office/drawing/2014/main" id="{166EBF60-46F9-4034-9336-0B24F53371BF}"/>
+                <a16:creationId xmlns:a16="http://schemas.microsoft.com/office/drawing/2014/main" xmlns="" id="{166EBF60-46F9-4034-9336-0B24F53371BF}"/>
               </a:ext>
             </a:extLst>
           </p:cNvPr>
@@ -11114,7 +11237,7 @@
           <p:cNvPr id="8" name="그림 7">
             <a:extLst>
               <a:ext uri="{FF2B5EF4-FFF2-40B4-BE49-F238E27FC236}">
-                <a16:creationId xmlns:a16="http://schemas.microsoft.com/office/drawing/2014/main" id="{AE2F700E-6C46-4E2F-A38A-C99BE6C98543}"/>
+                <a16:creationId xmlns:a16="http://schemas.microsoft.com/office/drawing/2014/main" xmlns="" id="{AE2F700E-6C46-4E2F-A38A-C99BE6C98543}"/>
               </a:ext>
             </a:extLst>
           </p:cNvPr>
@@ -11144,7 +11267,7 @@
           <p:cNvPr id="10" name="TextBox 9">
             <a:extLst>
               <a:ext uri="{FF2B5EF4-FFF2-40B4-BE49-F238E27FC236}">
-                <a16:creationId xmlns:a16="http://schemas.microsoft.com/office/drawing/2014/main" id="{355D79ED-CC32-4FB0-8614-E8F1021B8CB5}"/>
+                <a16:creationId xmlns:a16="http://schemas.microsoft.com/office/drawing/2014/main" xmlns="" id="{355D79ED-CC32-4FB0-8614-E8F1021B8CB5}"/>
               </a:ext>
             </a:extLst>
           </p:cNvPr>
@@ -11206,7 +11329,7 @@
           <p:cNvPr id="11" name="TextBox 10">
             <a:extLst>
               <a:ext uri="{FF2B5EF4-FFF2-40B4-BE49-F238E27FC236}">
-                <a16:creationId xmlns:a16="http://schemas.microsoft.com/office/drawing/2014/main" id="{584A8F12-41C8-4B35-95FF-79821E68D617}"/>
+                <a16:creationId xmlns:a16="http://schemas.microsoft.com/office/drawing/2014/main" xmlns="" id="{584A8F12-41C8-4B35-95FF-79821E68D617}"/>
               </a:ext>
             </a:extLst>
           </p:cNvPr>
@@ -11275,7 +11398,7 @@
           <p:cNvPr id="3" name="내용 개체 틀 2">
             <a:extLst>
               <a:ext uri="{FF2B5EF4-FFF2-40B4-BE49-F238E27FC236}">
-                <a16:creationId xmlns:a16="http://schemas.microsoft.com/office/drawing/2014/main" id="{C012EB24-8882-41BC-85EC-805A96F3E0B8}"/>
+                <a16:creationId xmlns:a16="http://schemas.microsoft.com/office/drawing/2014/main" xmlns="" id="{C012EB24-8882-41BC-85EC-805A96F3E0B8}"/>
               </a:ext>
             </a:extLst>
           </p:cNvPr>
@@ -11389,7 +11512,7 @@
           <p:cNvPr id="4" name="제목 1">
             <a:extLst>
               <a:ext uri="{FF2B5EF4-FFF2-40B4-BE49-F238E27FC236}">
-                <a16:creationId xmlns:a16="http://schemas.microsoft.com/office/drawing/2014/main" id="{A2F415F9-4996-4581-BA26-7664DA86032D}"/>
+                <a16:creationId xmlns:a16="http://schemas.microsoft.com/office/drawing/2014/main" xmlns="" id="{A2F415F9-4996-4581-BA26-7664DA86032D}"/>
               </a:ext>
             </a:extLst>
           </p:cNvPr>
@@ -11418,6 +11541,10 @@
               <a:rPr lang="ko-KR" altLang="en-US" dirty="0"/>
               <a:t>기본</a:t>
             </a:r>
+            <a:r>
+              <a:rPr lang="en-US" altLang="ko-KR" dirty="0"/>
+              <a:t/>
+            </a:r>
             <a:br>
               <a:rPr lang="en-US" altLang="ko-KR" dirty="0"/>
             </a:br>
@@ -11438,7 +11565,7 @@
           <p:cNvPr id="6" name="그림 5">
             <a:extLst>
               <a:ext uri="{FF2B5EF4-FFF2-40B4-BE49-F238E27FC236}">
-                <a16:creationId xmlns:a16="http://schemas.microsoft.com/office/drawing/2014/main" id="{372DB502-06DD-4B5B-87AE-302A6420BA75}"/>
+                <a16:creationId xmlns:a16="http://schemas.microsoft.com/office/drawing/2014/main" xmlns="" id="{372DB502-06DD-4B5B-87AE-302A6420BA75}"/>
               </a:ext>
             </a:extLst>
           </p:cNvPr>
@@ -11468,7 +11595,7 @@
           <p:cNvPr id="7" name="TextBox 6">
             <a:extLst>
               <a:ext uri="{FF2B5EF4-FFF2-40B4-BE49-F238E27FC236}">
-                <a16:creationId xmlns:a16="http://schemas.microsoft.com/office/drawing/2014/main" id="{D2BD8813-0EA4-4AC3-9079-F3D720DC5870}"/>
+                <a16:creationId xmlns:a16="http://schemas.microsoft.com/office/drawing/2014/main" xmlns="" id="{D2BD8813-0EA4-4AC3-9079-F3D720DC5870}"/>
               </a:ext>
             </a:extLst>
           </p:cNvPr>
@@ -11503,7 +11630,7 @@
           <p:cNvPr id="11" name="그림 10">
             <a:extLst>
               <a:ext uri="{FF2B5EF4-FFF2-40B4-BE49-F238E27FC236}">
-                <a16:creationId xmlns:a16="http://schemas.microsoft.com/office/drawing/2014/main" id="{47115E49-B1A0-4ED5-A0D7-FF6B6E1E9EC9}"/>
+                <a16:creationId xmlns:a16="http://schemas.microsoft.com/office/drawing/2014/main" xmlns="" id="{47115E49-B1A0-4ED5-A0D7-FF6B6E1E9EC9}"/>
               </a:ext>
             </a:extLst>
           </p:cNvPr>
@@ -11533,7 +11660,7 @@
           <p:cNvPr id="12" name="TextBox 11">
             <a:extLst>
               <a:ext uri="{FF2B5EF4-FFF2-40B4-BE49-F238E27FC236}">
-                <a16:creationId xmlns:a16="http://schemas.microsoft.com/office/drawing/2014/main" id="{9B6AC56D-49C6-4EE5-8DEF-C42F99784115}"/>
+                <a16:creationId xmlns:a16="http://schemas.microsoft.com/office/drawing/2014/main" xmlns="" id="{9B6AC56D-49C6-4EE5-8DEF-C42F99784115}"/>
               </a:ext>
             </a:extLst>
           </p:cNvPr>
@@ -11589,7 +11716,7 @@
           <p:cNvPr id="14" name="그림 13">
             <a:extLst>
               <a:ext uri="{FF2B5EF4-FFF2-40B4-BE49-F238E27FC236}">
-                <a16:creationId xmlns:a16="http://schemas.microsoft.com/office/drawing/2014/main" id="{19E6161D-279D-43E7-B7FF-73AD19BFDC70}"/>
+                <a16:creationId xmlns:a16="http://schemas.microsoft.com/office/drawing/2014/main" xmlns="" id="{19E6161D-279D-43E7-B7FF-73AD19BFDC70}"/>
               </a:ext>
             </a:extLst>
           </p:cNvPr>
@@ -11649,7 +11776,7 @@
           <p:cNvPr id="3" name="내용 개체 틀 2">
             <a:extLst>
               <a:ext uri="{FF2B5EF4-FFF2-40B4-BE49-F238E27FC236}">
-                <a16:creationId xmlns:a16="http://schemas.microsoft.com/office/drawing/2014/main" id="{C012EB24-8882-41BC-85EC-805A96F3E0B8}"/>
+                <a16:creationId xmlns:a16="http://schemas.microsoft.com/office/drawing/2014/main" xmlns="" id="{C012EB24-8882-41BC-85EC-805A96F3E0B8}"/>
               </a:ext>
             </a:extLst>
           </p:cNvPr>
@@ -11704,7 +11831,7 @@
           <p:cNvPr id="4" name="제목 1">
             <a:extLst>
               <a:ext uri="{FF2B5EF4-FFF2-40B4-BE49-F238E27FC236}">
-                <a16:creationId xmlns:a16="http://schemas.microsoft.com/office/drawing/2014/main" id="{A2F415F9-4996-4581-BA26-7664DA86032D}"/>
+                <a16:creationId xmlns:a16="http://schemas.microsoft.com/office/drawing/2014/main" xmlns="" id="{A2F415F9-4996-4581-BA26-7664DA86032D}"/>
               </a:ext>
             </a:extLst>
           </p:cNvPr>
@@ -11733,6 +11860,10 @@
               <a:rPr lang="ko-KR" altLang="en-US" dirty="0"/>
               <a:t>기본</a:t>
             </a:r>
+            <a:r>
+              <a:rPr lang="en-US" altLang="ko-KR" dirty="0"/>
+              <a:t/>
+            </a:r>
             <a:br>
               <a:rPr lang="en-US" altLang="ko-KR" dirty="0"/>
             </a:br>
@@ -11753,7 +11884,7 @@
           <p:cNvPr id="5" name="그림 4">
             <a:extLst>
               <a:ext uri="{FF2B5EF4-FFF2-40B4-BE49-F238E27FC236}">
-                <a16:creationId xmlns:a16="http://schemas.microsoft.com/office/drawing/2014/main" id="{CCF6AC38-75A9-453A-81B3-A453909A442C}"/>
+                <a16:creationId xmlns:a16="http://schemas.microsoft.com/office/drawing/2014/main" xmlns="" id="{CCF6AC38-75A9-453A-81B3-A453909A442C}"/>
               </a:ext>
             </a:extLst>
           </p:cNvPr>
@@ -11813,7 +11944,7 @@
           <p:cNvPr id="3" name="내용 개체 틀 2">
             <a:extLst>
               <a:ext uri="{FF2B5EF4-FFF2-40B4-BE49-F238E27FC236}">
-                <a16:creationId xmlns:a16="http://schemas.microsoft.com/office/drawing/2014/main" id="{C012EB24-8882-41BC-85EC-805A96F3E0B8}"/>
+                <a16:creationId xmlns:a16="http://schemas.microsoft.com/office/drawing/2014/main" xmlns="" id="{C012EB24-8882-41BC-85EC-805A96F3E0B8}"/>
               </a:ext>
             </a:extLst>
           </p:cNvPr>
@@ -11868,7 +11999,7 @@
           <p:cNvPr id="4" name="제목 1">
             <a:extLst>
               <a:ext uri="{FF2B5EF4-FFF2-40B4-BE49-F238E27FC236}">
-                <a16:creationId xmlns:a16="http://schemas.microsoft.com/office/drawing/2014/main" id="{A2F415F9-4996-4581-BA26-7664DA86032D}"/>
+                <a16:creationId xmlns:a16="http://schemas.microsoft.com/office/drawing/2014/main" xmlns="" id="{A2F415F9-4996-4581-BA26-7664DA86032D}"/>
               </a:ext>
             </a:extLst>
           </p:cNvPr>
@@ -11897,6 +12028,10 @@
               <a:rPr lang="ko-KR" altLang="en-US" dirty="0"/>
               <a:t>기본</a:t>
             </a:r>
+            <a:r>
+              <a:rPr lang="en-US" altLang="ko-KR" dirty="0"/>
+              <a:t/>
+            </a:r>
             <a:br>
               <a:rPr lang="en-US" altLang="ko-KR" dirty="0"/>
             </a:br>
@@ -11917,7 +12052,7 @@
           <p:cNvPr id="5" name="그림 4">
             <a:extLst>
               <a:ext uri="{FF2B5EF4-FFF2-40B4-BE49-F238E27FC236}">
-                <a16:creationId xmlns:a16="http://schemas.microsoft.com/office/drawing/2014/main" id="{CCF6AC38-75A9-453A-81B3-A453909A442C}"/>
+                <a16:creationId xmlns:a16="http://schemas.microsoft.com/office/drawing/2014/main" xmlns="" id="{CCF6AC38-75A9-453A-81B3-A453909A442C}"/>
               </a:ext>
             </a:extLst>
           </p:cNvPr>
@@ -11947,7 +12082,7 @@
           <p:cNvPr id="6" name="직사각형 5">
             <a:extLst>
               <a:ext uri="{FF2B5EF4-FFF2-40B4-BE49-F238E27FC236}">
-                <a16:creationId xmlns:a16="http://schemas.microsoft.com/office/drawing/2014/main" id="{DA01204B-7F0C-41E2-A8F9-3EB900975644}"/>
+                <a16:creationId xmlns:a16="http://schemas.microsoft.com/office/drawing/2014/main" xmlns="" id="{DA01204B-7F0C-41E2-A8F9-3EB900975644}"/>
               </a:ext>
             </a:extLst>
           </p:cNvPr>
@@ -11999,7 +12134,7 @@
           <p:cNvPr id="7" name="직사각형 6">
             <a:extLst>
               <a:ext uri="{FF2B5EF4-FFF2-40B4-BE49-F238E27FC236}">
-                <a16:creationId xmlns:a16="http://schemas.microsoft.com/office/drawing/2014/main" id="{5AA4CB55-5B8C-49E1-93EC-65F719B1B1AF}"/>
+                <a16:creationId xmlns:a16="http://schemas.microsoft.com/office/drawing/2014/main" xmlns="" id="{5AA4CB55-5B8C-49E1-93EC-65F719B1B1AF}"/>
               </a:ext>
             </a:extLst>
           </p:cNvPr>
@@ -12051,7 +12186,7 @@
           <p:cNvPr id="8" name="직선 화살표 연결선 7">
             <a:extLst>
               <a:ext uri="{FF2B5EF4-FFF2-40B4-BE49-F238E27FC236}">
-                <a16:creationId xmlns:a16="http://schemas.microsoft.com/office/drawing/2014/main" id="{7DCEB861-71DB-4140-97C8-D5FB745E938E}"/>
+                <a16:creationId xmlns:a16="http://schemas.microsoft.com/office/drawing/2014/main" xmlns="" id="{7DCEB861-71DB-4140-97C8-D5FB745E938E}"/>
               </a:ext>
             </a:extLst>
           </p:cNvPr>
@@ -12095,7 +12230,7 @@
           <p:cNvPr id="10" name="TextBox 9">
             <a:extLst>
               <a:ext uri="{FF2B5EF4-FFF2-40B4-BE49-F238E27FC236}">
-                <a16:creationId xmlns:a16="http://schemas.microsoft.com/office/drawing/2014/main" id="{380A5E0F-2C9C-4300-8F50-CE7D705A15B5}"/>
+                <a16:creationId xmlns:a16="http://schemas.microsoft.com/office/drawing/2014/main" xmlns="" id="{380A5E0F-2C9C-4300-8F50-CE7D705A15B5}"/>
               </a:ext>
             </a:extLst>
           </p:cNvPr>
@@ -12168,7 +12303,7 @@
           <p:cNvPr id="3" name="내용 개체 틀 2">
             <a:extLst>
               <a:ext uri="{FF2B5EF4-FFF2-40B4-BE49-F238E27FC236}">
-                <a16:creationId xmlns:a16="http://schemas.microsoft.com/office/drawing/2014/main" id="{C012EB24-8882-41BC-85EC-805A96F3E0B8}"/>
+                <a16:creationId xmlns:a16="http://schemas.microsoft.com/office/drawing/2014/main" xmlns="" id="{C012EB24-8882-41BC-85EC-805A96F3E0B8}"/>
               </a:ext>
             </a:extLst>
           </p:cNvPr>
@@ -12246,7 +12381,7 @@
           <p:cNvPr id="4" name="제목 1">
             <a:extLst>
               <a:ext uri="{FF2B5EF4-FFF2-40B4-BE49-F238E27FC236}">
-                <a16:creationId xmlns:a16="http://schemas.microsoft.com/office/drawing/2014/main" id="{A2F415F9-4996-4581-BA26-7664DA86032D}"/>
+                <a16:creationId xmlns:a16="http://schemas.microsoft.com/office/drawing/2014/main" xmlns="" id="{A2F415F9-4996-4581-BA26-7664DA86032D}"/>
               </a:ext>
             </a:extLst>
           </p:cNvPr>
@@ -12275,6 +12410,10 @@
               <a:rPr lang="ko-KR" altLang="en-US"/>
               <a:t>기본</a:t>
             </a:r>
+            <a:r>
+              <a:rPr lang="en-US" altLang="ko-KR"/>
+              <a:t/>
+            </a:r>
             <a:br>
               <a:rPr lang="en-US" altLang="ko-KR"/>
             </a:br>
@@ -12295,7 +12434,7 @@
           <p:cNvPr id="9" name="그림 8">
             <a:extLst>
               <a:ext uri="{FF2B5EF4-FFF2-40B4-BE49-F238E27FC236}">
-                <a16:creationId xmlns:a16="http://schemas.microsoft.com/office/drawing/2014/main" id="{29FECBEE-994F-4132-8DE7-899F4D61EF5D}"/>
+                <a16:creationId xmlns:a16="http://schemas.microsoft.com/office/drawing/2014/main" xmlns="" id="{29FECBEE-994F-4132-8DE7-899F4D61EF5D}"/>
               </a:ext>
             </a:extLst>
           </p:cNvPr>
@@ -12325,7 +12464,7 @@
           <p:cNvPr id="12" name="그림 11">
             <a:extLst>
               <a:ext uri="{FF2B5EF4-FFF2-40B4-BE49-F238E27FC236}">
-                <a16:creationId xmlns:a16="http://schemas.microsoft.com/office/drawing/2014/main" id="{0BD8965B-6F6C-4A4A-816F-B956A331A009}"/>
+                <a16:creationId xmlns:a16="http://schemas.microsoft.com/office/drawing/2014/main" xmlns="" id="{0BD8965B-6F6C-4A4A-816F-B956A331A009}"/>
               </a:ext>
             </a:extLst>
           </p:cNvPr>
@@ -12385,7 +12524,7 @@
           <p:cNvPr id="3" name="내용 개체 틀 2">
             <a:extLst>
               <a:ext uri="{FF2B5EF4-FFF2-40B4-BE49-F238E27FC236}">
-                <a16:creationId xmlns:a16="http://schemas.microsoft.com/office/drawing/2014/main" id="{C012EB24-8882-41BC-85EC-805A96F3E0B8}"/>
+                <a16:creationId xmlns:a16="http://schemas.microsoft.com/office/drawing/2014/main" xmlns="" id="{C012EB24-8882-41BC-85EC-805A96F3E0B8}"/>
               </a:ext>
             </a:extLst>
           </p:cNvPr>
@@ -12454,7 +12593,7 @@
           <p:cNvPr id="4" name="제목 1">
             <a:extLst>
               <a:ext uri="{FF2B5EF4-FFF2-40B4-BE49-F238E27FC236}">
-                <a16:creationId xmlns:a16="http://schemas.microsoft.com/office/drawing/2014/main" id="{A2F415F9-4996-4581-BA26-7664DA86032D}"/>
+                <a16:creationId xmlns:a16="http://schemas.microsoft.com/office/drawing/2014/main" xmlns="" id="{A2F415F9-4996-4581-BA26-7664DA86032D}"/>
               </a:ext>
             </a:extLst>
           </p:cNvPr>
@@ -12483,6 +12622,10 @@
               <a:rPr lang="ko-KR" altLang="en-US"/>
               <a:t>기본</a:t>
             </a:r>
+            <a:r>
+              <a:rPr lang="en-US" altLang="ko-KR"/>
+              <a:t/>
+            </a:r>
             <a:br>
               <a:rPr lang="en-US" altLang="ko-KR"/>
             </a:br>
@@ -12503,7 +12646,7 @@
           <p:cNvPr id="5" name="그림 4">
             <a:extLst>
               <a:ext uri="{FF2B5EF4-FFF2-40B4-BE49-F238E27FC236}">
-                <a16:creationId xmlns:a16="http://schemas.microsoft.com/office/drawing/2014/main" id="{0602356C-8D9C-4D90-A16A-43142DA99BD0}"/>
+                <a16:creationId xmlns:a16="http://schemas.microsoft.com/office/drawing/2014/main" xmlns="" id="{0602356C-8D9C-4D90-A16A-43142DA99BD0}"/>
               </a:ext>
             </a:extLst>
           </p:cNvPr>
@@ -12533,7 +12676,7 @@
           <p:cNvPr id="7" name="그림 6">
             <a:extLst>
               <a:ext uri="{FF2B5EF4-FFF2-40B4-BE49-F238E27FC236}">
-                <a16:creationId xmlns:a16="http://schemas.microsoft.com/office/drawing/2014/main" id="{561BF2A5-C17C-4BF6-BBE3-C4E556D4CA9C}"/>
+                <a16:creationId xmlns:a16="http://schemas.microsoft.com/office/drawing/2014/main" xmlns="" id="{561BF2A5-C17C-4BF6-BBE3-C4E556D4CA9C}"/>
               </a:ext>
             </a:extLst>
           </p:cNvPr>
@@ -12593,7 +12736,7 @@
           <p:cNvPr id="3" name="내용 개체 틀 2">
             <a:extLst>
               <a:ext uri="{FF2B5EF4-FFF2-40B4-BE49-F238E27FC236}">
-                <a16:creationId xmlns:a16="http://schemas.microsoft.com/office/drawing/2014/main" id="{C012EB24-8882-41BC-85EC-805A96F3E0B8}"/>
+                <a16:creationId xmlns:a16="http://schemas.microsoft.com/office/drawing/2014/main" xmlns="" id="{C012EB24-8882-41BC-85EC-805A96F3E0B8}"/>
               </a:ext>
             </a:extLst>
           </p:cNvPr>
@@ -12772,7 +12915,7 @@
           <p:cNvPr id="4" name="제목 1">
             <a:extLst>
               <a:ext uri="{FF2B5EF4-FFF2-40B4-BE49-F238E27FC236}">
-                <a16:creationId xmlns:a16="http://schemas.microsoft.com/office/drawing/2014/main" id="{A2F415F9-4996-4581-BA26-7664DA86032D}"/>
+                <a16:creationId xmlns:a16="http://schemas.microsoft.com/office/drawing/2014/main" xmlns="" id="{A2F415F9-4996-4581-BA26-7664DA86032D}"/>
               </a:ext>
             </a:extLst>
           </p:cNvPr>
@@ -12801,6 +12944,10 @@
               <a:rPr lang="ko-KR" altLang="en-US" dirty="0"/>
               <a:t>기본</a:t>
             </a:r>
+            <a:r>
+              <a:rPr lang="en-US" altLang="ko-KR" dirty="0"/>
+              <a:t/>
+            </a:r>
             <a:br>
               <a:rPr lang="en-US" altLang="ko-KR" dirty="0"/>
             </a:br>
@@ -12821,7 +12968,7 @@
           <p:cNvPr id="6" name="그림 5">
             <a:extLst>
               <a:ext uri="{FF2B5EF4-FFF2-40B4-BE49-F238E27FC236}">
-                <a16:creationId xmlns:a16="http://schemas.microsoft.com/office/drawing/2014/main" id="{1FBBD15A-4912-406E-829A-5062BDE8E8F2}"/>
+                <a16:creationId xmlns:a16="http://schemas.microsoft.com/office/drawing/2014/main" xmlns="" id="{1FBBD15A-4912-406E-829A-5062BDE8E8F2}"/>
               </a:ext>
             </a:extLst>
           </p:cNvPr>
@@ -12851,7 +12998,7 @@
           <p:cNvPr id="9" name="그림 8">
             <a:extLst>
               <a:ext uri="{FF2B5EF4-FFF2-40B4-BE49-F238E27FC236}">
-                <a16:creationId xmlns:a16="http://schemas.microsoft.com/office/drawing/2014/main" id="{78236D75-1922-4D1C-9155-8167025BCD85}"/>
+                <a16:creationId xmlns:a16="http://schemas.microsoft.com/office/drawing/2014/main" xmlns="" id="{78236D75-1922-4D1C-9155-8167025BCD85}"/>
               </a:ext>
             </a:extLst>
           </p:cNvPr>
@@ -12881,7 +13028,7 @@
           <p:cNvPr id="11" name="그림 10">
             <a:extLst>
               <a:ext uri="{FF2B5EF4-FFF2-40B4-BE49-F238E27FC236}">
-                <a16:creationId xmlns:a16="http://schemas.microsoft.com/office/drawing/2014/main" id="{BFB1AFC1-91FB-4D15-89FD-E3CDFB26A3D3}"/>
+                <a16:creationId xmlns:a16="http://schemas.microsoft.com/office/drawing/2014/main" xmlns="" id="{BFB1AFC1-91FB-4D15-89FD-E3CDFB26A3D3}"/>
               </a:ext>
             </a:extLst>
           </p:cNvPr>
@@ -12910,7 +13057,7 @@
           <p:cNvPr id="13" name="그림 12">
             <a:extLst>
               <a:ext uri="{FF2B5EF4-FFF2-40B4-BE49-F238E27FC236}">
-                <a16:creationId xmlns:a16="http://schemas.microsoft.com/office/drawing/2014/main" id="{B73AE135-C151-4446-990A-0EA63719CE94}"/>
+                <a16:creationId xmlns:a16="http://schemas.microsoft.com/office/drawing/2014/main" xmlns="" id="{B73AE135-C151-4446-990A-0EA63719CE94}"/>
               </a:ext>
             </a:extLst>
           </p:cNvPr>
@@ -12940,7 +13087,7 @@
           <p:cNvPr id="15" name="그림 14">
             <a:extLst>
               <a:ext uri="{FF2B5EF4-FFF2-40B4-BE49-F238E27FC236}">
-                <a16:creationId xmlns:a16="http://schemas.microsoft.com/office/drawing/2014/main" id="{93CA7797-F092-41A9-B44D-079B8B2C3B5D}"/>
+                <a16:creationId xmlns:a16="http://schemas.microsoft.com/office/drawing/2014/main" xmlns="" id="{93CA7797-F092-41A9-B44D-079B8B2C3B5D}"/>
               </a:ext>
             </a:extLst>
           </p:cNvPr>
@@ -13000,7 +13147,7 @@
           <p:cNvPr id="3" name="내용 개체 틀 2">
             <a:extLst>
               <a:ext uri="{FF2B5EF4-FFF2-40B4-BE49-F238E27FC236}">
-                <a16:creationId xmlns:a16="http://schemas.microsoft.com/office/drawing/2014/main" id="{C012EB24-8882-41BC-85EC-805A96F3E0B8}"/>
+                <a16:creationId xmlns:a16="http://schemas.microsoft.com/office/drawing/2014/main" xmlns="" id="{C012EB24-8882-41BC-85EC-805A96F3E0B8}"/>
               </a:ext>
             </a:extLst>
           </p:cNvPr>
@@ -13068,7 +13215,7 @@
           <p:cNvPr id="4" name="제목 1">
             <a:extLst>
               <a:ext uri="{FF2B5EF4-FFF2-40B4-BE49-F238E27FC236}">
-                <a16:creationId xmlns:a16="http://schemas.microsoft.com/office/drawing/2014/main" id="{A2F415F9-4996-4581-BA26-7664DA86032D}"/>
+                <a16:creationId xmlns:a16="http://schemas.microsoft.com/office/drawing/2014/main" xmlns="" id="{A2F415F9-4996-4581-BA26-7664DA86032D}"/>
               </a:ext>
             </a:extLst>
           </p:cNvPr>
@@ -13097,6 +13244,10 @@
               <a:rPr lang="ko-KR" altLang="en-US" dirty="0"/>
               <a:t>기본</a:t>
             </a:r>
+            <a:r>
+              <a:rPr lang="en-US" altLang="ko-KR" dirty="0"/>
+              <a:t/>
+            </a:r>
             <a:br>
               <a:rPr lang="en-US" altLang="ko-KR" dirty="0"/>
             </a:br>
@@ -13117,7 +13268,7 @@
           <p:cNvPr id="5" name="그림 4">
             <a:extLst>
               <a:ext uri="{FF2B5EF4-FFF2-40B4-BE49-F238E27FC236}">
-                <a16:creationId xmlns:a16="http://schemas.microsoft.com/office/drawing/2014/main" id="{C000926B-F055-470E-87A2-FC32CD2B0696}"/>
+                <a16:creationId xmlns:a16="http://schemas.microsoft.com/office/drawing/2014/main" xmlns="" id="{C000926B-F055-470E-87A2-FC32CD2B0696}"/>
               </a:ext>
             </a:extLst>
           </p:cNvPr>
@@ -13195,6 +13346,10 @@
               <a:rPr lang="ko-KR" altLang="en-US" dirty="0"/>
               <a:t>개요</a:t>
             </a:r>
+            <a:r>
+              <a:rPr lang="en-US" altLang="ko-KR" dirty="0"/>
+              <a:t/>
+            </a:r>
             <a:br>
               <a:rPr lang="en-US" altLang="ko-KR" dirty="0"/>
             </a:br>
@@ -13360,7 +13515,7 @@
           <p:cNvPr id="3" name="내용 개체 틀 2">
             <a:extLst>
               <a:ext uri="{FF2B5EF4-FFF2-40B4-BE49-F238E27FC236}">
-                <a16:creationId xmlns:a16="http://schemas.microsoft.com/office/drawing/2014/main" id="{C012EB24-8882-41BC-85EC-805A96F3E0B8}"/>
+                <a16:creationId xmlns:a16="http://schemas.microsoft.com/office/drawing/2014/main" xmlns="" id="{C012EB24-8882-41BC-85EC-805A96F3E0B8}"/>
               </a:ext>
             </a:extLst>
           </p:cNvPr>
@@ -13414,7 +13569,7 @@
           <p:cNvPr id="4" name="제목 1">
             <a:extLst>
               <a:ext uri="{FF2B5EF4-FFF2-40B4-BE49-F238E27FC236}">
-                <a16:creationId xmlns:a16="http://schemas.microsoft.com/office/drawing/2014/main" id="{A2F415F9-4996-4581-BA26-7664DA86032D}"/>
+                <a16:creationId xmlns:a16="http://schemas.microsoft.com/office/drawing/2014/main" xmlns="" id="{A2F415F9-4996-4581-BA26-7664DA86032D}"/>
               </a:ext>
             </a:extLst>
           </p:cNvPr>
@@ -13443,6 +13598,10 @@
               <a:rPr lang="ko-KR" altLang="en-US" dirty="0"/>
               <a:t>기본</a:t>
             </a:r>
+            <a:r>
+              <a:rPr lang="en-US" altLang="ko-KR" dirty="0"/>
+              <a:t/>
+            </a:r>
             <a:br>
               <a:rPr lang="en-US" altLang="ko-KR" dirty="0"/>
             </a:br>
@@ -13463,7 +13622,7 @@
           <p:cNvPr id="6" name="그림 5">
             <a:extLst>
               <a:ext uri="{FF2B5EF4-FFF2-40B4-BE49-F238E27FC236}">
-                <a16:creationId xmlns:a16="http://schemas.microsoft.com/office/drawing/2014/main" id="{CAA5E342-578E-43EE-90E7-0FC77418FDCB}"/>
+                <a16:creationId xmlns:a16="http://schemas.microsoft.com/office/drawing/2014/main" xmlns="" id="{CAA5E342-578E-43EE-90E7-0FC77418FDCB}"/>
               </a:ext>
             </a:extLst>
           </p:cNvPr>
@@ -13493,7 +13652,7 @@
           <p:cNvPr id="8" name="그림 7">
             <a:extLst>
               <a:ext uri="{FF2B5EF4-FFF2-40B4-BE49-F238E27FC236}">
-                <a16:creationId xmlns:a16="http://schemas.microsoft.com/office/drawing/2014/main" id="{3018E976-4959-420C-94E4-033674CEA4BB}"/>
+                <a16:creationId xmlns:a16="http://schemas.microsoft.com/office/drawing/2014/main" xmlns="" id="{3018E976-4959-420C-94E4-033674CEA4BB}"/>
               </a:ext>
             </a:extLst>
           </p:cNvPr>
@@ -13553,7 +13712,7 @@
           <p:cNvPr id="3" name="내용 개체 틀 2">
             <a:extLst>
               <a:ext uri="{FF2B5EF4-FFF2-40B4-BE49-F238E27FC236}">
-                <a16:creationId xmlns:a16="http://schemas.microsoft.com/office/drawing/2014/main" id="{C012EB24-8882-41BC-85EC-805A96F3E0B8}"/>
+                <a16:creationId xmlns:a16="http://schemas.microsoft.com/office/drawing/2014/main" xmlns="" id="{C012EB24-8882-41BC-85EC-805A96F3E0B8}"/>
               </a:ext>
             </a:extLst>
           </p:cNvPr>
@@ -13690,7 +13849,7 @@
           <p:cNvPr id="4" name="제목 1">
             <a:extLst>
               <a:ext uri="{FF2B5EF4-FFF2-40B4-BE49-F238E27FC236}">
-                <a16:creationId xmlns:a16="http://schemas.microsoft.com/office/drawing/2014/main" id="{A2F415F9-4996-4581-BA26-7664DA86032D}"/>
+                <a16:creationId xmlns:a16="http://schemas.microsoft.com/office/drawing/2014/main" xmlns="" id="{A2F415F9-4996-4581-BA26-7664DA86032D}"/>
               </a:ext>
             </a:extLst>
           </p:cNvPr>
@@ -13719,6 +13878,10 @@
               <a:rPr lang="ko-KR" altLang="en-US" dirty="0"/>
               <a:t>기본</a:t>
             </a:r>
+            <a:r>
+              <a:rPr lang="en-US" altLang="ko-KR" dirty="0"/>
+              <a:t/>
+            </a:r>
             <a:br>
               <a:rPr lang="en-US" altLang="ko-KR" dirty="0"/>
             </a:br>
@@ -13739,7 +13902,7 @@
           <p:cNvPr id="5" name="그림 4">
             <a:extLst>
               <a:ext uri="{FF2B5EF4-FFF2-40B4-BE49-F238E27FC236}">
-                <a16:creationId xmlns:a16="http://schemas.microsoft.com/office/drawing/2014/main" id="{FDD49902-E7D7-4C5C-8A2E-D2D3A994403E}"/>
+                <a16:creationId xmlns:a16="http://schemas.microsoft.com/office/drawing/2014/main" xmlns="" id="{FDD49902-E7D7-4C5C-8A2E-D2D3A994403E}"/>
               </a:ext>
             </a:extLst>
           </p:cNvPr>
@@ -13769,7 +13932,7 @@
           <p:cNvPr id="9" name="그림 8">
             <a:extLst>
               <a:ext uri="{FF2B5EF4-FFF2-40B4-BE49-F238E27FC236}">
-                <a16:creationId xmlns:a16="http://schemas.microsoft.com/office/drawing/2014/main" id="{3F86EABE-321A-4760-B931-CD28A722699A}"/>
+                <a16:creationId xmlns:a16="http://schemas.microsoft.com/office/drawing/2014/main" xmlns="" id="{3F86EABE-321A-4760-B931-CD28A722699A}"/>
               </a:ext>
             </a:extLst>
           </p:cNvPr>
@@ -13799,7 +13962,7 @@
           <p:cNvPr id="11" name="그림 10">
             <a:extLst>
               <a:ext uri="{FF2B5EF4-FFF2-40B4-BE49-F238E27FC236}">
-                <a16:creationId xmlns:a16="http://schemas.microsoft.com/office/drawing/2014/main" id="{450C07FB-1265-452D-A375-C13E5E944BA1}"/>
+                <a16:creationId xmlns:a16="http://schemas.microsoft.com/office/drawing/2014/main" xmlns="" id="{450C07FB-1265-452D-A375-C13E5E944BA1}"/>
               </a:ext>
             </a:extLst>
           </p:cNvPr>
@@ -13829,7 +13992,7 @@
           <p:cNvPr id="14" name="TextBox 13">
             <a:extLst>
               <a:ext uri="{FF2B5EF4-FFF2-40B4-BE49-F238E27FC236}">
-                <a16:creationId xmlns:a16="http://schemas.microsoft.com/office/drawing/2014/main" id="{09AF8E4C-D4EC-4262-A4D0-13885E61A9C7}"/>
+                <a16:creationId xmlns:a16="http://schemas.microsoft.com/office/drawing/2014/main" xmlns="" id="{09AF8E4C-D4EC-4262-A4D0-13885E61A9C7}"/>
               </a:ext>
             </a:extLst>
           </p:cNvPr>
@@ -13905,7 +14068,7 @@
           <p:cNvPr id="3" name="내용 개체 틀 2">
             <a:extLst>
               <a:ext uri="{FF2B5EF4-FFF2-40B4-BE49-F238E27FC236}">
-                <a16:creationId xmlns:a16="http://schemas.microsoft.com/office/drawing/2014/main" id="{C012EB24-8882-41BC-85EC-805A96F3E0B8}"/>
+                <a16:creationId xmlns:a16="http://schemas.microsoft.com/office/drawing/2014/main" xmlns="" id="{C012EB24-8882-41BC-85EC-805A96F3E0B8}"/>
               </a:ext>
             </a:extLst>
           </p:cNvPr>
@@ -13988,7 +14151,7 @@
           <p:cNvPr id="4" name="제목 1">
             <a:extLst>
               <a:ext uri="{FF2B5EF4-FFF2-40B4-BE49-F238E27FC236}">
-                <a16:creationId xmlns:a16="http://schemas.microsoft.com/office/drawing/2014/main" id="{A2F415F9-4996-4581-BA26-7664DA86032D}"/>
+                <a16:creationId xmlns:a16="http://schemas.microsoft.com/office/drawing/2014/main" xmlns="" id="{A2F415F9-4996-4581-BA26-7664DA86032D}"/>
               </a:ext>
             </a:extLst>
           </p:cNvPr>
@@ -14017,6 +14180,10 @@
               <a:rPr lang="ko-KR" altLang="en-US" dirty="0"/>
               <a:t>기본</a:t>
             </a:r>
+            <a:r>
+              <a:rPr lang="en-US" altLang="ko-KR" dirty="0"/>
+              <a:t/>
+            </a:r>
             <a:br>
               <a:rPr lang="en-US" altLang="ko-KR" dirty="0"/>
             </a:br>
@@ -14037,7 +14204,7 @@
           <p:cNvPr id="6" name="그림 5">
             <a:extLst>
               <a:ext uri="{FF2B5EF4-FFF2-40B4-BE49-F238E27FC236}">
-                <a16:creationId xmlns:a16="http://schemas.microsoft.com/office/drawing/2014/main" id="{8B9E887B-BE26-4C52-B5FD-7D0F7FA5B8B7}"/>
+                <a16:creationId xmlns:a16="http://schemas.microsoft.com/office/drawing/2014/main" xmlns="" id="{8B9E887B-BE26-4C52-B5FD-7D0F7FA5B8B7}"/>
               </a:ext>
             </a:extLst>
           </p:cNvPr>
@@ -14097,7 +14264,7 @@
           <p:cNvPr id="3" name="내용 개체 틀 2">
             <a:extLst>
               <a:ext uri="{FF2B5EF4-FFF2-40B4-BE49-F238E27FC236}">
-                <a16:creationId xmlns:a16="http://schemas.microsoft.com/office/drawing/2014/main" id="{C012EB24-8882-41BC-85EC-805A96F3E0B8}"/>
+                <a16:creationId xmlns:a16="http://schemas.microsoft.com/office/drawing/2014/main" xmlns="" id="{C012EB24-8882-41BC-85EC-805A96F3E0B8}"/>
               </a:ext>
             </a:extLst>
           </p:cNvPr>
@@ -14195,7 +14362,7 @@
           <p:cNvPr id="4" name="제목 1">
             <a:extLst>
               <a:ext uri="{FF2B5EF4-FFF2-40B4-BE49-F238E27FC236}">
-                <a16:creationId xmlns:a16="http://schemas.microsoft.com/office/drawing/2014/main" id="{A2F415F9-4996-4581-BA26-7664DA86032D}"/>
+                <a16:creationId xmlns:a16="http://schemas.microsoft.com/office/drawing/2014/main" xmlns="" id="{A2F415F9-4996-4581-BA26-7664DA86032D}"/>
               </a:ext>
             </a:extLst>
           </p:cNvPr>
@@ -14224,6 +14391,10 @@
               <a:rPr lang="ko-KR" altLang="en-US" dirty="0"/>
               <a:t>기본</a:t>
             </a:r>
+            <a:r>
+              <a:rPr lang="en-US" altLang="ko-KR" dirty="0"/>
+              <a:t/>
+            </a:r>
             <a:br>
               <a:rPr lang="en-US" altLang="ko-KR" dirty="0"/>
             </a:br>
@@ -14244,7 +14415,7 @@
           <p:cNvPr id="5" name="그림 4">
             <a:extLst>
               <a:ext uri="{FF2B5EF4-FFF2-40B4-BE49-F238E27FC236}">
-                <a16:creationId xmlns:a16="http://schemas.microsoft.com/office/drawing/2014/main" id="{CB42A354-4665-4383-883C-A8474A91D049}"/>
+                <a16:creationId xmlns:a16="http://schemas.microsoft.com/office/drawing/2014/main" xmlns="" id="{CB42A354-4665-4383-883C-A8474A91D049}"/>
               </a:ext>
             </a:extLst>
           </p:cNvPr>
@@ -14304,7 +14475,7 @@
           <p:cNvPr id="3" name="내용 개체 틀 2">
             <a:extLst>
               <a:ext uri="{FF2B5EF4-FFF2-40B4-BE49-F238E27FC236}">
-                <a16:creationId xmlns:a16="http://schemas.microsoft.com/office/drawing/2014/main" id="{D10529F5-70AA-4BE6-965B-EE371D490CFB}"/>
+                <a16:creationId xmlns:a16="http://schemas.microsoft.com/office/drawing/2014/main" xmlns="" id="{D10529F5-70AA-4BE6-965B-EE371D490CFB}"/>
               </a:ext>
             </a:extLst>
           </p:cNvPr>
@@ -14356,7 +14527,7 @@
           <p:cNvPr id="4" name="제목 1">
             <a:extLst>
               <a:ext uri="{FF2B5EF4-FFF2-40B4-BE49-F238E27FC236}">
-                <a16:creationId xmlns:a16="http://schemas.microsoft.com/office/drawing/2014/main" id="{49EE42AC-7A84-47AF-8B7A-A49406664A70}"/>
+                <a16:creationId xmlns:a16="http://schemas.microsoft.com/office/drawing/2014/main" xmlns="" id="{49EE42AC-7A84-47AF-8B7A-A49406664A70}"/>
               </a:ext>
             </a:extLst>
           </p:cNvPr>
@@ -14385,6 +14556,10 @@
               <a:rPr lang="ko-KR" altLang="en-US" dirty="0"/>
               <a:t>기본</a:t>
             </a:r>
+            <a:r>
+              <a:rPr lang="en-US" altLang="ko-KR" dirty="0"/>
+              <a:t/>
+            </a:r>
             <a:br>
               <a:rPr lang="en-US" altLang="ko-KR" dirty="0"/>
             </a:br>
@@ -14405,7 +14580,7 @@
           <p:cNvPr id="6" name="그림 5">
             <a:extLst>
               <a:ext uri="{FF2B5EF4-FFF2-40B4-BE49-F238E27FC236}">
-                <a16:creationId xmlns:a16="http://schemas.microsoft.com/office/drawing/2014/main" id="{42B93239-84CA-45D7-A9D4-4821C148F9E1}"/>
+                <a16:creationId xmlns:a16="http://schemas.microsoft.com/office/drawing/2014/main" xmlns="" id="{42B93239-84CA-45D7-A9D4-4821C148F9E1}"/>
               </a:ext>
             </a:extLst>
           </p:cNvPr>
@@ -14465,7 +14640,7 @@
           <p:cNvPr id="3" name="내용 개체 틀 2">
             <a:extLst>
               <a:ext uri="{FF2B5EF4-FFF2-40B4-BE49-F238E27FC236}">
-                <a16:creationId xmlns:a16="http://schemas.microsoft.com/office/drawing/2014/main" id="{D10529F5-70AA-4BE6-965B-EE371D490CFB}"/>
+                <a16:creationId xmlns:a16="http://schemas.microsoft.com/office/drawing/2014/main" xmlns="" id="{D10529F5-70AA-4BE6-965B-EE371D490CFB}"/>
               </a:ext>
             </a:extLst>
           </p:cNvPr>
@@ -14521,7 +14696,7 @@
           <p:cNvPr id="4" name="제목 1">
             <a:extLst>
               <a:ext uri="{FF2B5EF4-FFF2-40B4-BE49-F238E27FC236}">
-                <a16:creationId xmlns:a16="http://schemas.microsoft.com/office/drawing/2014/main" id="{49EE42AC-7A84-47AF-8B7A-A49406664A70}"/>
+                <a16:creationId xmlns:a16="http://schemas.microsoft.com/office/drawing/2014/main" xmlns="" id="{49EE42AC-7A84-47AF-8B7A-A49406664A70}"/>
               </a:ext>
             </a:extLst>
           </p:cNvPr>
@@ -14550,6 +14725,10 @@
               <a:rPr lang="ko-KR" altLang="en-US" dirty="0"/>
               <a:t>기본</a:t>
             </a:r>
+            <a:r>
+              <a:rPr lang="en-US" altLang="ko-KR" dirty="0"/>
+              <a:t/>
+            </a:r>
             <a:br>
               <a:rPr lang="en-US" altLang="ko-KR" dirty="0"/>
             </a:br>
@@ -14570,7 +14749,7 @@
           <p:cNvPr id="5" name="그림 4">
             <a:extLst>
               <a:ext uri="{FF2B5EF4-FFF2-40B4-BE49-F238E27FC236}">
-                <a16:creationId xmlns:a16="http://schemas.microsoft.com/office/drawing/2014/main" id="{C01DDB29-3BAB-4D62-A766-B89A3E3AF993}"/>
+                <a16:creationId xmlns:a16="http://schemas.microsoft.com/office/drawing/2014/main" xmlns="" id="{C01DDB29-3BAB-4D62-A766-B89A3E3AF993}"/>
               </a:ext>
             </a:extLst>
           </p:cNvPr>
@@ -14600,7 +14779,7 @@
           <p:cNvPr id="8" name="그림 7">
             <a:extLst>
               <a:ext uri="{FF2B5EF4-FFF2-40B4-BE49-F238E27FC236}">
-                <a16:creationId xmlns:a16="http://schemas.microsoft.com/office/drawing/2014/main" id="{8FE74FAA-5ACA-46E0-AC90-AB45198954C6}"/>
+                <a16:creationId xmlns:a16="http://schemas.microsoft.com/office/drawing/2014/main" xmlns="" id="{8FE74FAA-5ACA-46E0-AC90-AB45198954C6}"/>
               </a:ext>
             </a:extLst>
           </p:cNvPr>
@@ -14660,7 +14839,7 @@
           <p:cNvPr id="3" name="내용 개체 틀 2">
             <a:extLst>
               <a:ext uri="{FF2B5EF4-FFF2-40B4-BE49-F238E27FC236}">
-                <a16:creationId xmlns:a16="http://schemas.microsoft.com/office/drawing/2014/main" id="{D10529F5-70AA-4BE6-965B-EE371D490CFB}"/>
+                <a16:creationId xmlns:a16="http://schemas.microsoft.com/office/drawing/2014/main" xmlns="" id="{D10529F5-70AA-4BE6-965B-EE371D490CFB}"/>
               </a:ext>
             </a:extLst>
           </p:cNvPr>
@@ -14722,7 +14901,7 @@
           <p:cNvPr id="4" name="제목 1">
             <a:extLst>
               <a:ext uri="{FF2B5EF4-FFF2-40B4-BE49-F238E27FC236}">
-                <a16:creationId xmlns:a16="http://schemas.microsoft.com/office/drawing/2014/main" id="{49EE42AC-7A84-47AF-8B7A-A49406664A70}"/>
+                <a16:creationId xmlns:a16="http://schemas.microsoft.com/office/drawing/2014/main" xmlns="" id="{49EE42AC-7A84-47AF-8B7A-A49406664A70}"/>
               </a:ext>
             </a:extLst>
           </p:cNvPr>
@@ -14751,6 +14930,10 @@
               <a:rPr lang="ko-KR" altLang="en-US" dirty="0"/>
               <a:t>기본</a:t>
             </a:r>
+            <a:r>
+              <a:rPr lang="en-US" altLang="ko-KR" dirty="0"/>
+              <a:t/>
+            </a:r>
             <a:br>
               <a:rPr lang="en-US" altLang="ko-KR" dirty="0"/>
             </a:br>
@@ -14771,7 +14954,7 @@
           <p:cNvPr id="6" name="그림 5">
             <a:extLst>
               <a:ext uri="{FF2B5EF4-FFF2-40B4-BE49-F238E27FC236}">
-                <a16:creationId xmlns:a16="http://schemas.microsoft.com/office/drawing/2014/main" id="{FE66E1BA-86CB-4E04-A8FD-A349EFBC14C3}"/>
+                <a16:creationId xmlns:a16="http://schemas.microsoft.com/office/drawing/2014/main" xmlns="" id="{FE66E1BA-86CB-4E04-A8FD-A349EFBC14C3}"/>
               </a:ext>
             </a:extLst>
           </p:cNvPr>
@@ -14801,7 +14984,7 @@
           <p:cNvPr id="9" name="그림 8">
             <a:extLst>
               <a:ext uri="{FF2B5EF4-FFF2-40B4-BE49-F238E27FC236}">
-                <a16:creationId xmlns:a16="http://schemas.microsoft.com/office/drawing/2014/main" id="{B45DA39A-ADCE-44B9-A259-6351A83478BF}"/>
+                <a16:creationId xmlns:a16="http://schemas.microsoft.com/office/drawing/2014/main" xmlns="" id="{B45DA39A-ADCE-44B9-A259-6351A83478BF}"/>
               </a:ext>
             </a:extLst>
           </p:cNvPr>
@@ -14861,7 +15044,7 @@
           <p:cNvPr id="3" name="내용 개체 틀 2">
             <a:extLst>
               <a:ext uri="{FF2B5EF4-FFF2-40B4-BE49-F238E27FC236}">
-                <a16:creationId xmlns:a16="http://schemas.microsoft.com/office/drawing/2014/main" id="{D10529F5-70AA-4BE6-965B-EE371D490CFB}"/>
+                <a16:creationId xmlns:a16="http://schemas.microsoft.com/office/drawing/2014/main" xmlns="" id="{D10529F5-70AA-4BE6-965B-EE371D490CFB}"/>
               </a:ext>
             </a:extLst>
           </p:cNvPr>
@@ -14946,7 +15129,7 @@
           <p:cNvPr id="4" name="제목 1">
             <a:extLst>
               <a:ext uri="{FF2B5EF4-FFF2-40B4-BE49-F238E27FC236}">
-                <a16:creationId xmlns:a16="http://schemas.microsoft.com/office/drawing/2014/main" id="{49EE42AC-7A84-47AF-8B7A-A49406664A70}"/>
+                <a16:creationId xmlns:a16="http://schemas.microsoft.com/office/drawing/2014/main" xmlns="" id="{49EE42AC-7A84-47AF-8B7A-A49406664A70}"/>
               </a:ext>
             </a:extLst>
           </p:cNvPr>
@@ -14975,6 +15158,10 @@
               <a:rPr lang="ko-KR" altLang="en-US" dirty="0"/>
               <a:t>기본</a:t>
             </a:r>
+            <a:r>
+              <a:rPr lang="en-US" altLang="ko-KR" dirty="0"/>
+              <a:t/>
+            </a:r>
             <a:br>
               <a:rPr lang="en-US" altLang="ko-KR" dirty="0"/>
             </a:br>
@@ -14995,7 +15182,7 @@
           <p:cNvPr id="5" name="그림 4">
             <a:extLst>
               <a:ext uri="{FF2B5EF4-FFF2-40B4-BE49-F238E27FC236}">
-                <a16:creationId xmlns:a16="http://schemas.microsoft.com/office/drawing/2014/main" id="{679F7521-5965-4207-A7AE-BAA1A19388BF}"/>
+                <a16:creationId xmlns:a16="http://schemas.microsoft.com/office/drawing/2014/main" xmlns="" id="{679F7521-5965-4207-A7AE-BAA1A19388BF}"/>
               </a:ext>
             </a:extLst>
           </p:cNvPr>
@@ -15025,7 +15212,7 @@
           <p:cNvPr id="8" name="그림 7">
             <a:extLst>
               <a:ext uri="{FF2B5EF4-FFF2-40B4-BE49-F238E27FC236}">
-                <a16:creationId xmlns:a16="http://schemas.microsoft.com/office/drawing/2014/main" id="{2997D527-4B46-438C-BCA0-F03617B7B405}"/>
+                <a16:creationId xmlns:a16="http://schemas.microsoft.com/office/drawing/2014/main" xmlns="" id="{2997D527-4B46-438C-BCA0-F03617B7B405}"/>
               </a:ext>
             </a:extLst>
           </p:cNvPr>
@@ -15085,7 +15272,7 @@
           <p:cNvPr id="3" name="내용 개체 틀 2">
             <a:extLst>
               <a:ext uri="{FF2B5EF4-FFF2-40B4-BE49-F238E27FC236}">
-                <a16:creationId xmlns:a16="http://schemas.microsoft.com/office/drawing/2014/main" id="{D10529F5-70AA-4BE6-965B-EE371D490CFB}"/>
+                <a16:creationId xmlns:a16="http://schemas.microsoft.com/office/drawing/2014/main" xmlns="" id="{D10529F5-70AA-4BE6-965B-EE371D490CFB}"/>
               </a:ext>
             </a:extLst>
           </p:cNvPr>
@@ -15137,7 +15324,7 @@
           <p:cNvPr id="4" name="제목 1">
             <a:extLst>
               <a:ext uri="{FF2B5EF4-FFF2-40B4-BE49-F238E27FC236}">
-                <a16:creationId xmlns:a16="http://schemas.microsoft.com/office/drawing/2014/main" id="{49EE42AC-7A84-47AF-8B7A-A49406664A70}"/>
+                <a16:creationId xmlns:a16="http://schemas.microsoft.com/office/drawing/2014/main" xmlns="" id="{49EE42AC-7A84-47AF-8B7A-A49406664A70}"/>
               </a:ext>
             </a:extLst>
           </p:cNvPr>
@@ -15166,6 +15353,10 @@
               <a:rPr lang="ko-KR" altLang="en-US" dirty="0"/>
               <a:t>기본</a:t>
             </a:r>
+            <a:r>
+              <a:rPr lang="en-US" altLang="ko-KR" dirty="0"/>
+              <a:t/>
+            </a:r>
             <a:br>
               <a:rPr lang="en-US" altLang="ko-KR" dirty="0"/>
             </a:br>
@@ -15186,7 +15377,7 @@
           <p:cNvPr id="6" name="그림 5">
             <a:extLst>
               <a:ext uri="{FF2B5EF4-FFF2-40B4-BE49-F238E27FC236}">
-                <a16:creationId xmlns:a16="http://schemas.microsoft.com/office/drawing/2014/main" id="{C169E47D-3922-4020-90AC-B2D01D673A52}"/>
+                <a16:creationId xmlns:a16="http://schemas.microsoft.com/office/drawing/2014/main" xmlns="" id="{C169E47D-3922-4020-90AC-B2D01D673A52}"/>
               </a:ext>
             </a:extLst>
           </p:cNvPr>
@@ -15216,7 +15407,7 @@
           <p:cNvPr id="9" name="그림 8">
             <a:extLst>
               <a:ext uri="{FF2B5EF4-FFF2-40B4-BE49-F238E27FC236}">
-                <a16:creationId xmlns:a16="http://schemas.microsoft.com/office/drawing/2014/main" id="{BB3ACB80-31D6-4BC7-829E-957F8CD6D4A4}"/>
+                <a16:creationId xmlns:a16="http://schemas.microsoft.com/office/drawing/2014/main" xmlns="" id="{BB3ACB80-31D6-4BC7-829E-957F8CD6D4A4}"/>
               </a:ext>
             </a:extLst>
           </p:cNvPr>
@@ -15276,7 +15467,7 @@
           <p:cNvPr id="3" name="내용 개체 틀 2">
             <a:extLst>
               <a:ext uri="{FF2B5EF4-FFF2-40B4-BE49-F238E27FC236}">
-                <a16:creationId xmlns:a16="http://schemas.microsoft.com/office/drawing/2014/main" id="{D10529F5-70AA-4BE6-965B-EE371D490CFB}"/>
+                <a16:creationId xmlns:a16="http://schemas.microsoft.com/office/drawing/2014/main" xmlns="" id="{D10529F5-70AA-4BE6-965B-EE371D490CFB}"/>
               </a:ext>
             </a:extLst>
           </p:cNvPr>
@@ -15328,7 +15519,7 @@
           <p:cNvPr id="4" name="제목 1">
             <a:extLst>
               <a:ext uri="{FF2B5EF4-FFF2-40B4-BE49-F238E27FC236}">
-                <a16:creationId xmlns:a16="http://schemas.microsoft.com/office/drawing/2014/main" id="{49EE42AC-7A84-47AF-8B7A-A49406664A70}"/>
+                <a16:creationId xmlns:a16="http://schemas.microsoft.com/office/drawing/2014/main" xmlns="" id="{49EE42AC-7A84-47AF-8B7A-A49406664A70}"/>
               </a:ext>
             </a:extLst>
           </p:cNvPr>
@@ -15357,6 +15548,10 @@
               <a:rPr lang="ko-KR" altLang="en-US" dirty="0"/>
               <a:t>기본</a:t>
             </a:r>
+            <a:r>
+              <a:rPr lang="en-US" altLang="ko-KR" dirty="0"/>
+              <a:t/>
+            </a:r>
             <a:br>
               <a:rPr lang="en-US" altLang="ko-KR" dirty="0"/>
             </a:br>
@@ -15377,7 +15572,7 @@
           <p:cNvPr id="6" name="그림 5">
             <a:extLst>
               <a:ext uri="{FF2B5EF4-FFF2-40B4-BE49-F238E27FC236}">
-                <a16:creationId xmlns:a16="http://schemas.microsoft.com/office/drawing/2014/main" id="{C169E47D-3922-4020-90AC-B2D01D673A52}"/>
+                <a16:creationId xmlns:a16="http://schemas.microsoft.com/office/drawing/2014/main" xmlns="" id="{C169E47D-3922-4020-90AC-B2D01D673A52}"/>
               </a:ext>
             </a:extLst>
           </p:cNvPr>
@@ -15407,7 +15602,7 @@
           <p:cNvPr id="9" name="그림 8">
             <a:extLst>
               <a:ext uri="{FF2B5EF4-FFF2-40B4-BE49-F238E27FC236}">
-                <a16:creationId xmlns:a16="http://schemas.microsoft.com/office/drawing/2014/main" id="{BB3ACB80-31D6-4BC7-829E-957F8CD6D4A4}"/>
+                <a16:creationId xmlns:a16="http://schemas.microsoft.com/office/drawing/2014/main" xmlns="" id="{BB3ACB80-31D6-4BC7-829E-957F8CD6D4A4}"/>
               </a:ext>
             </a:extLst>
           </p:cNvPr>
@@ -15567,6 +15762,10 @@
               <a:rPr lang="ko-KR" altLang="en-US" dirty="0"/>
               <a:t>개요</a:t>
             </a:r>
+            <a:r>
+              <a:rPr lang="en-US" altLang="ko-KR" dirty="0"/>
+              <a:t/>
+            </a:r>
             <a:br>
               <a:rPr lang="en-US" altLang="ko-KR" dirty="0"/>
             </a:br>
@@ -15617,7 +15816,7 @@
           <p:cNvPr id="3" name="내용 개체 틀 2">
             <a:extLst>
               <a:ext uri="{FF2B5EF4-FFF2-40B4-BE49-F238E27FC236}">
-                <a16:creationId xmlns:a16="http://schemas.microsoft.com/office/drawing/2014/main" id="{D10529F5-70AA-4BE6-965B-EE371D490CFB}"/>
+                <a16:creationId xmlns:a16="http://schemas.microsoft.com/office/drawing/2014/main" xmlns="" id="{D10529F5-70AA-4BE6-965B-EE371D490CFB}"/>
               </a:ext>
             </a:extLst>
           </p:cNvPr>
@@ -15732,7 +15931,7 @@
           <p:cNvPr id="4" name="제목 1">
             <a:extLst>
               <a:ext uri="{FF2B5EF4-FFF2-40B4-BE49-F238E27FC236}">
-                <a16:creationId xmlns:a16="http://schemas.microsoft.com/office/drawing/2014/main" id="{49EE42AC-7A84-47AF-8B7A-A49406664A70}"/>
+                <a16:creationId xmlns:a16="http://schemas.microsoft.com/office/drawing/2014/main" xmlns="" id="{49EE42AC-7A84-47AF-8B7A-A49406664A70}"/>
               </a:ext>
             </a:extLst>
           </p:cNvPr>
@@ -15761,6 +15960,10 @@
               <a:rPr lang="ko-KR" altLang="en-US" dirty="0"/>
               <a:t>기본</a:t>
             </a:r>
+            <a:r>
+              <a:rPr lang="en-US" altLang="ko-KR" dirty="0"/>
+              <a:t/>
+            </a:r>
             <a:br>
               <a:rPr lang="en-US" altLang="ko-KR" dirty="0"/>
             </a:br>
@@ -15781,7 +15984,7 @@
           <p:cNvPr id="8" name="그림 7">
             <a:extLst>
               <a:ext uri="{FF2B5EF4-FFF2-40B4-BE49-F238E27FC236}">
-                <a16:creationId xmlns:a16="http://schemas.microsoft.com/office/drawing/2014/main" id="{5D58B77F-2E3E-4C00-ADB2-2383B062BB0F}"/>
+                <a16:creationId xmlns:a16="http://schemas.microsoft.com/office/drawing/2014/main" xmlns="" id="{5D58B77F-2E3E-4C00-ADB2-2383B062BB0F}"/>
               </a:ext>
             </a:extLst>
           </p:cNvPr>
@@ -15811,7 +16014,7 @@
           <p:cNvPr id="11" name="그림 10">
             <a:extLst>
               <a:ext uri="{FF2B5EF4-FFF2-40B4-BE49-F238E27FC236}">
-                <a16:creationId xmlns:a16="http://schemas.microsoft.com/office/drawing/2014/main" id="{EFE0F7D6-299A-420C-AA3A-410A2CA62877}"/>
+                <a16:creationId xmlns:a16="http://schemas.microsoft.com/office/drawing/2014/main" xmlns="" id="{EFE0F7D6-299A-420C-AA3A-410A2CA62877}"/>
               </a:ext>
             </a:extLst>
           </p:cNvPr>
@@ -15871,7 +16074,7 @@
           <p:cNvPr id="3" name="내용 개체 틀 2">
             <a:extLst>
               <a:ext uri="{FF2B5EF4-FFF2-40B4-BE49-F238E27FC236}">
-                <a16:creationId xmlns:a16="http://schemas.microsoft.com/office/drawing/2014/main" id="{D10529F5-70AA-4BE6-965B-EE371D490CFB}"/>
+                <a16:creationId xmlns:a16="http://schemas.microsoft.com/office/drawing/2014/main" xmlns="" id="{D10529F5-70AA-4BE6-965B-EE371D490CFB}"/>
               </a:ext>
             </a:extLst>
           </p:cNvPr>
@@ -15939,7 +16142,7 @@
           <p:cNvPr id="4" name="제목 1">
             <a:extLst>
               <a:ext uri="{FF2B5EF4-FFF2-40B4-BE49-F238E27FC236}">
-                <a16:creationId xmlns:a16="http://schemas.microsoft.com/office/drawing/2014/main" id="{49EE42AC-7A84-47AF-8B7A-A49406664A70}"/>
+                <a16:creationId xmlns:a16="http://schemas.microsoft.com/office/drawing/2014/main" xmlns="" id="{49EE42AC-7A84-47AF-8B7A-A49406664A70}"/>
               </a:ext>
             </a:extLst>
           </p:cNvPr>
@@ -15968,6 +16171,10 @@
               <a:rPr lang="ko-KR" altLang="en-US" dirty="0"/>
               <a:t>기본</a:t>
             </a:r>
+            <a:r>
+              <a:rPr lang="en-US" altLang="ko-KR" dirty="0"/>
+              <a:t/>
+            </a:r>
             <a:br>
               <a:rPr lang="en-US" altLang="ko-KR" dirty="0"/>
             </a:br>
@@ -15988,7 +16195,7 @@
           <p:cNvPr id="5" name="그림 4">
             <a:extLst>
               <a:ext uri="{FF2B5EF4-FFF2-40B4-BE49-F238E27FC236}">
-                <a16:creationId xmlns:a16="http://schemas.microsoft.com/office/drawing/2014/main" id="{799C7E62-08FE-4CA5-AF46-29A3B0B99137}"/>
+                <a16:creationId xmlns:a16="http://schemas.microsoft.com/office/drawing/2014/main" xmlns="" id="{799C7E62-08FE-4CA5-AF46-29A3B0B99137}"/>
               </a:ext>
             </a:extLst>
           </p:cNvPr>
@@ -16018,7 +16225,7 @@
           <p:cNvPr id="7" name="그림 6">
             <a:extLst>
               <a:ext uri="{FF2B5EF4-FFF2-40B4-BE49-F238E27FC236}">
-                <a16:creationId xmlns:a16="http://schemas.microsoft.com/office/drawing/2014/main" id="{9EF0E79C-5FC2-4185-8FEE-595FA2C460B0}"/>
+                <a16:creationId xmlns:a16="http://schemas.microsoft.com/office/drawing/2014/main" xmlns="" id="{9EF0E79C-5FC2-4185-8FEE-595FA2C460B0}"/>
               </a:ext>
             </a:extLst>
           </p:cNvPr>
@@ -16048,7 +16255,7 @@
           <p:cNvPr id="10" name="그림 9">
             <a:extLst>
               <a:ext uri="{FF2B5EF4-FFF2-40B4-BE49-F238E27FC236}">
-                <a16:creationId xmlns:a16="http://schemas.microsoft.com/office/drawing/2014/main" id="{70E098BD-8788-4A90-B875-45F9C1FB4CA5}"/>
+                <a16:creationId xmlns:a16="http://schemas.microsoft.com/office/drawing/2014/main" xmlns="" id="{70E098BD-8788-4A90-B875-45F9C1FB4CA5}"/>
               </a:ext>
             </a:extLst>
           </p:cNvPr>
@@ -16078,7 +16285,7 @@
           <p:cNvPr id="12" name="직사각형 11">
             <a:extLst>
               <a:ext uri="{FF2B5EF4-FFF2-40B4-BE49-F238E27FC236}">
-                <a16:creationId xmlns:a16="http://schemas.microsoft.com/office/drawing/2014/main" id="{1EA006AB-DD6A-438E-8EB4-93A62DC3BEED}"/>
+                <a16:creationId xmlns:a16="http://schemas.microsoft.com/office/drawing/2014/main" xmlns="" id="{1EA006AB-DD6A-438E-8EB4-93A62DC3BEED}"/>
               </a:ext>
             </a:extLst>
           </p:cNvPr>
@@ -16130,7 +16337,7 @@
           <p:cNvPr id="13" name="직선 화살표 연결선 12">
             <a:extLst>
               <a:ext uri="{FF2B5EF4-FFF2-40B4-BE49-F238E27FC236}">
-                <a16:creationId xmlns:a16="http://schemas.microsoft.com/office/drawing/2014/main" id="{FF55C37B-116C-4BA9-B54D-EC18A489EF9E}"/>
+                <a16:creationId xmlns:a16="http://schemas.microsoft.com/office/drawing/2014/main" xmlns="" id="{FF55C37B-116C-4BA9-B54D-EC18A489EF9E}"/>
               </a:ext>
             </a:extLst>
           </p:cNvPr>
@@ -16175,7 +16382,7 @@
           <p:cNvPr id="16" name="TextBox 15">
             <a:extLst>
               <a:ext uri="{FF2B5EF4-FFF2-40B4-BE49-F238E27FC236}">
-                <a16:creationId xmlns:a16="http://schemas.microsoft.com/office/drawing/2014/main" id="{9286ED5E-31BB-4BC2-B1BD-075D96FB3F2F}"/>
+                <a16:creationId xmlns:a16="http://schemas.microsoft.com/office/drawing/2014/main" xmlns="" id="{9286ED5E-31BB-4BC2-B1BD-075D96FB3F2F}"/>
               </a:ext>
             </a:extLst>
           </p:cNvPr>
@@ -16256,7 +16463,7 @@
           <p:cNvPr id="3" name="내용 개체 틀 2">
             <a:extLst>
               <a:ext uri="{FF2B5EF4-FFF2-40B4-BE49-F238E27FC236}">
-                <a16:creationId xmlns:a16="http://schemas.microsoft.com/office/drawing/2014/main" id="{D10529F5-70AA-4BE6-965B-EE371D490CFB}"/>
+                <a16:creationId xmlns:a16="http://schemas.microsoft.com/office/drawing/2014/main" xmlns="" id="{D10529F5-70AA-4BE6-965B-EE371D490CFB}"/>
               </a:ext>
             </a:extLst>
           </p:cNvPr>
@@ -16284,7 +16491,7 @@
           <p:cNvPr id="4" name="제목 1">
             <a:extLst>
               <a:ext uri="{FF2B5EF4-FFF2-40B4-BE49-F238E27FC236}">
-                <a16:creationId xmlns:a16="http://schemas.microsoft.com/office/drawing/2014/main" id="{49EE42AC-7A84-47AF-8B7A-A49406664A70}"/>
+                <a16:creationId xmlns:a16="http://schemas.microsoft.com/office/drawing/2014/main" xmlns="" id="{49EE42AC-7A84-47AF-8B7A-A49406664A70}"/>
               </a:ext>
             </a:extLst>
           </p:cNvPr>
@@ -16313,6 +16520,10 @@
               <a:rPr lang="ko-KR" altLang="en-US" dirty="0"/>
               <a:t>기본</a:t>
             </a:r>
+            <a:r>
+              <a:rPr lang="en-US" altLang="ko-KR" dirty="0"/>
+              <a:t/>
+            </a:r>
             <a:br>
               <a:rPr lang="en-US" altLang="ko-KR" dirty="0"/>
             </a:br>
@@ -16333,7 +16544,7 @@
           <p:cNvPr id="6" name="그림 5">
             <a:extLst>
               <a:ext uri="{FF2B5EF4-FFF2-40B4-BE49-F238E27FC236}">
-                <a16:creationId xmlns:a16="http://schemas.microsoft.com/office/drawing/2014/main" id="{1600E5AA-F9CE-486C-B229-EA8883369BA2}"/>
+                <a16:creationId xmlns:a16="http://schemas.microsoft.com/office/drawing/2014/main" xmlns="" id="{1600E5AA-F9CE-486C-B229-EA8883369BA2}"/>
               </a:ext>
             </a:extLst>
           </p:cNvPr>
@@ -16363,7 +16574,7 @@
           <p:cNvPr id="9" name="그림 8">
             <a:extLst>
               <a:ext uri="{FF2B5EF4-FFF2-40B4-BE49-F238E27FC236}">
-                <a16:creationId xmlns:a16="http://schemas.microsoft.com/office/drawing/2014/main" id="{EBEC558F-B374-43D0-81F6-D80E16FBA08C}"/>
+                <a16:creationId xmlns:a16="http://schemas.microsoft.com/office/drawing/2014/main" xmlns="" id="{EBEC558F-B374-43D0-81F6-D80E16FBA08C}"/>
               </a:ext>
             </a:extLst>
           </p:cNvPr>
@@ -16423,7 +16634,7 @@
           <p:cNvPr id="3" name="내용 개체 틀 2">
             <a:extLst>
               <a:ext uri="{FF2B5EF4-FFF2-40B4-BE49-F238E27FC236}">
-                <a16:creationId xmlns:a16="http://schemas.microsoft.com/office/drawing/2014/main" id="{D10529F5-70AA-4BE6-965B-EE371D490CFB}"/>
+                <a16:creationId xmlns:a16="http://schemas.microsoft.com/office/drawing/2014/main" xmlns="" id="{D10529F5-70AA-4BE6-965B-EE371D490CFB}"/>
               </a:ext>
             </a:extLst>
           </p:cNvPr>
@@ -16495,7 +16706,7 @@
           <p:cNvPr id="4" name="제목 1">
             <a:extLst>
               <a:ext uri="{FF2B5EF4-FFF2-40B4-BE49-F238E27FC236}">
-                <a16:creationId xmlns:a16="http://schemas.microsoft.com/office/drawing/2014/main" id="{49EE42AC-7A84-47AF-8B7A-A49406664A70}"/>
+                <a16:creationId xmlns:a16="http://schemas.microsoft.com/office/drawing/2014/main" xmlns="" id="{49EE42AC-7A84-47AF-8B7A-A49406664A70}"/>
               </a:ext>
             </a:extLst>
           </p:cNvPr>
@@ -16524,6 +16735,10 @@
               <a:rPr lang="ko-KR" altLang="en-US" dirty="0"/>
               <a:t>기본</a:t>
             </a:r>
+            <a:r>
+              <a:rPr lang="en-US" altLang="ko-KR" dirty="0"/>
+              <a:t/>
+            </a:r>
             <a:br>
               <a:rPr lang="en-US" altLang="ko-KR" dirty="0"/>
             </a:br>
@@ -16544,7 +16759,7 @@
           <p:cNvPr id="5" name="그림 4">
             <a:extLst>
               <a:ext uri="{FF2B5EF4-FFF2-40B4-BE49-F238E27FC236}">
-                <a16:creationId xmlns:a16="http://schemas.microsoft.com/office/drawing/2014/main" id="{4CA7DF5B-2915-4324-BEB2-0E2241B29860}"/>
+                <a16:creationId xmlns:a16="http://schemas.microsoft.com/office/drawing/2014/main" xmlns="" id="{4CA7DF5B-2915-4324-BEB2-0E2241B29860}"/>
               </a:ext>
             </a:extLst>
           </p:cNvPr>
@@ -16574,7 +16789,7 @@
           <p:cNvPr id="8" name="그림 7">
             <a:extLst>
               <a:ext uri="{FF2B5EF4-FFF2-40B4-BE49-F238E27FC236}">
-                <a16:creationId xmlns:a16="http://schemas.microsoft.com/office/drawing/2014/main" id="{AE73DEB4-D761-4070-A43D-B836C8D47DCB}"/>
+                <a16:creationId xmlns:a16="http://schemas.microsoft.com/office/drawing/2014/main" xmlns="" id="{AE73DEB4-D761-4070-A43D-B836C8D47DCB}"/>
               </a:ext>
             </a:extLst>
           </p:cNvPr>
@@ -16604,7 +16819,7 @@
           <p:cNvPr id="11" name="그림 10">
             <a:extLst>
               <a:ext uri="{FF2B5EF4-FFF2-40B4-BE49-F238E27FC236}">
-                <a16:creationId xmlns:a16="http://schemas.microsoft.com/office/drawing/2014/main" id="{133FCC89-93E4-4F07-A886-0E1777668D63}"/>
+                <a16:creationId xmlns:a16="http://schemas.microsoft.com/office/drawing/2014/main" xmlns="" id="{133FCC89-93E4-4F07-A886-0E1777668D63}"/>
               </a:ext>
             </a:extLst>
           </p:cNvPr>
@@ -16634,7 +16849,7 @@
           <p:cNvPr id="13" name="그림 12">
             <a:extLst>
               <a:ext uri="{FF2B5EF4-FFF2-40B4-BE49-F238E27FC236}">
-                <a16:creationId xmlns:a16="http://schemas.microsoft.com/office/drawing/2014/main" id="{78FDA14C-3103-454C-984B-082F729ECD47}"/>
+                <a16:creationId xmlns:a16="http://schemas.microsoft.com/office/drawing/2014/main" xmlns="" id="{78FDA14C-3103-454C-984B-082F729ECD47}"/>
               </a:ext>
             </a:extLst>
           </p:cNvPr>
@@ -16664,7 +16879,7 @@
           <p:cNvPr id="15" name="그림 14">
             <a:extLst>
               <a:ext uri="{FF2B5EF4-FFF2-40B4-BE49-F238E27FC236}">
-                <a16:creationId xmlns:a16="http://schemas.microsoft.com/office/drawing/2014/main" id="{4EA60119-5B5F-4EF2-BBA4-AF8DB453EC7E}"/>
+                <a16:creationId xmlns:a16="http://schemas.microsoft.com/office/drawing/2014/main" xmlns="" id="{4EA60119-5B5F-4EF2-BBA4-AF8DB453EC7E}"/>
               </a:ext>
             </a:extLst>
           </p:cNvPr>
@@ -16694,7 +16909,7 @@
           <p:cNvPr id="17" name="그림 16">
             <a:extLst>
               <a:ext uri="{FF2B5EF4-FFF2-40B4-BE49-F238E27FC236}">
-                <a16:creationId xmlns:a16="http://schemas.microsoft.com/office/drawing/2014/main" id="{6471E689-4EE9-4253-A760-85152F392778}"/>
+                <a16:creationId xmlns:a16="http://schemas.microsoft.com/office/drawing/2014/main" xmlns="" id="{6471E689-4EE9-4253-A760-85152F392778}"/>
               </a:ext>
             </a:extLst>
           </p:cNvPr>
@@ -16724,7 +16939,7 @@
           <p:cNvPr id="19" name="TextBox 18">
             <a:extLst>
               <a:ext uri="{FF2B5EF4-FFF2-40B4-BE49-F238E27FC236}">
-                <a16:creationId xmlns:a16="http://schemas.microsoft.com/office/drawing/2014/main" id="{3D684AF2-5B31-464D-BC8E-8CC79AFB3491}"/>
+                <a16:creationId xmlns:a16="http://schemas.microsoft.com/office/drawing/2014/main" xmlns="" id="{3D684AF2-5B31-464D-BC8E-8CC79AFB3491}"/>
               </a:ext>
             </a:extLst>
           </p:cNvPr>
@@ -16823,7 +17038,7 @@
           <p:cNvPr id="3" name="내용 개체 틀 2">
             <a:extLst>
               <a:ext uri="{FF2B5EF4-FFF2-40B4-BE49-F238E27FC236}">
-                <a16:creationId xmlns:a16="http://schemas.microsoft.com/office/drawing/2014/main" id="{D10529F5-70AA-4BE6-965B-EE371D490CFB}"/>
+                <a16:creationId xmlns:a16="http://schemas.microsoft.com/office/drawing/2014/main" xmlns="" id="{D10529F5-70AA-4BE6-965B-EE371D490CFB}"/>
               </a:ext>
             </a:extLst>
           </p:cNvPr>
@@ -16928,7 +17143,7 @@
           <p:cNvPr id="4" name="제목 1">
             <a:extLst>
               <a:ext uri="{FF2B5EF4-FFF2-40B4-BE49-F238E27FC236}">
-                <a16:creationId xmlns:a16="http://schemas.microsoft.com/office/drawing/2014/main" id="{49EE42AC-7A84-47AF-8B7A-A49406664A70}"/>
+                <a16:creationId xmlns:a16="http://schemas.microsoft.com/office/drawing/2014/main" xmlns="" id="{49EE42AC-7A84-47AF-8B7A-A49406664A70}"/>
               </a:ext>
             </a:extLst>
           </p:cNvPr>
@@ -16957,6 +17172,10 @@
               <a:rPr lang="ko-KR" altLang="en-US" dirty="0"/>
               <a:t>기본</a:t>
             </a:r>
+            <a:r>
+              <a:rPr lang="en-US" altLang="ko-KR" dirty="0"/>
+              <a:t/>
+            </a:r>
             <a:br>
               <a:rPr lang="en-US" altLang="ko-KR" dirty="0"/>
             </a:br>
@@ -16977,7 +17196,7 @@
           <p:cNvPr id="6" name="그림 5">
             <a:extLst>
               <a:ext uri="{FF2B5EF4-FFF2-40B4-BE49-F238E27FC236}">
-                <a16:creationId xmlns:a16="http://schemas.microsoft.com/office/drawing/2014/main" id="{246FDEB6-0A03-4D9B-9D0F-6763D3DE6D4F}"/>
+                <a16:creationId xmlns:a16="http://schemas.microsoft.com/office/drawing/2014/main" xmlns="" id="{246FDEB6-0A03-4D9B-9D0F-6763D3DE6D4F}"/>
               </a:ext>
             </a:extLst>
           </p:cNvPr>
@@ -17007,7 +17226,7 @@
           <p:cNvPr id="9" name="그림 8">
             <a:extLst>
               <a:ext uri="{FF2B5EF4-FFF2-40B4-BE49-F238E27FC236}">
-                <a16:creationId xmlns:a16="http://schemas.microsoft.com/office/drawing/2014/main" id="{ECA9339E-A314-49CF-AE0A-44B770D9969A}"/>
+                <a16:creationId xmlns:a16="http://schemas.microsoft.com/office/drawing/2014/main" xmlns="" id="{ECA9339E-A314-49CF-AE0A-44B770D9969A}"/>
               </a:ext>
             </a:extLst>
           </p:cNvPr>
@@ -17037,7 +17256,7 @@
           <p:cNvPr id="12" name="그림 11">
             <a:extLst>
               <a:ext uri="{FF2B5EF4-FFF2-40B4-BE49-F238E27FC236}">
-                <a16:creationId xmlns:a16="http://schemas.microsoft.com/office/drawing/2014/main" id="{96AFA05E-0C11-49AF-B0F2-CBB409A1E1C9}"/>
+                <a16:creationId xmlns:a16="http://schemas.microsoft.com/office/drawing/2014/main" xmlns="" id="{96AFA05E-0C11-49AF-B0F2-CBB409A1E1C9}"/>
               </a:ext>
             </a:extLst>
           </p:cNvPr>
@@ -17067,7 +17286,7 @@
           <p:cNvPr id="18" name="TextBox 17">
             <a:extLst>
               <a:ext uri="{FF2B5EF4-FFF2-40B4-BE49-F238E27FC236}">
-                <a16:creationId xmlns:a16="http://schemas.microsoft.com/office/drawing/2014/main" id="{69CA0A5A-8068-4F21-B637-A6068C33821E}"/>
+                <a16:creationId xmlns:a16="http://schemas.microsoft.com/office/drawing/2014/main" xmlns="" id="{69CA0A5A-8068-4F21-B637-A6068C33821E}"/>
               </a:ext>
             </a:extLst>
           </p:cNvPr>
@@ -17102,7 +17321,7 @@
           <p:cNvPr id="20" name="그림 19">
             <a:extLst>
               <a:ext uri="{FF2B5EF4-FFF2-40B4-BE49-F238E27FC236}">
-                <a16:creationId xmlns:a16="http://schemas.microsoft.com/office/drawing/2014/main" id="{E47AA36C-14BD-400D-9CB7-E5ABBBA00C0C}"/>
+                <a16:creationId xmlns:a16="http://schemas.microsoft.com/office/drawing/2014/main" xmlns="" id="{E47AA36C-14BD-400D-9CB7-E5ABBBA00C0C}"/>
               </a:ext>
             </a:extLst>
           </p:cNvPr>
@@ -17132,7 +17351,7 @@
           <p:cNvPr id="21" name="TextBox 20">
             <a:extLst>
               <a:ext uri="{FF2B5EF4-FFF2-40B4-BE49-F238E27FC236}">
-                <a16:creationId xmlns:a16="http://schemas.microsoft.com/office/drawing/2014/main" id="{C82D9E79-BCE6-4267-9D99-1097B14237A3}"/>
+                <a16:creationId xmlns:a16="http://schemas.microsoft.com/office/drawing/2014/main" xmlns="" id="{C82D9E79-BCE6-4267-9D99-1097B14237A3}"/>
               </a:ext>
             </a:extLst>
           </p:cNvPr>
@@ -17201,7 +17420,7 @@
           <p:cNvPr id="3" name="내용 개체 틀 2">
             <a:extLst>
               <a:ext uri="{FF2B5EF4-FFF2-40B4-BE49-F238E27FC236}">
-                <a16:creationId xmlns:a16="http://schemas.microsoft.com/office/drawing/2014/main" id="{D10529F5-70AA-4BE6-965B-EE371D490CFB}"/>
+                <a16:creationId xmlns:a16="http://schemas.microsoft.com/office/drawing/2014/main" xmlns="" id="{D10529F5-70AA-4BE6-965B-EE371D490CFB}"/>
               </a:ext>
             </a:extLst>
           </p:cNvPr>
@@ -17246,7 +17465,7 @@
           <p:cNvPr id="4" name="제목 1">
             <a:extLst>
               <a:ext uri="{FF2B5EF4-FFF2-40B4-BE49-F238E27FC236}">
-                <a16:creationId xmlns:a16="http://schemas.microsoft.com/office/drawing/2014/main" id="{49EE42AC-7A84-47AF-8B7A-A49406664A70}"/>
+                <a16:creationId xmlns:a16="http://schemas.microsoft.com/office/drawing/2014/main" xmlns="" id="{49EE42AC-7A84-47AF-8B7A-A49406664A70}"/>
               </a:ext>
             </a:extLst>
           </p:cNvPr>
@@ -17275,6 +17494,10 @@
               <a:rPr lang="ko-KR" altLang="en-US" dirty="0"/>
               <a:t>기본</a:t>
             </a:r>
+            <a:r>
+              <a:rPr lang="en-US" altLang="ko-KR" dirty="0"/>
+              <a:t/>
+            </a:r>
             <a:br>
               <a:rPr lang="en-US" altLang="ko-KR" dirty="0"/>
             </a:br>
@@ -17295,7 +17518,7 @@
           <p:cNvPr id="5" name="그림 4">
             <a:extLst>
               <a:ext uri="{FF2B5EF4-FFF2-40B4-BE49-F238E27FC236}">
-                <a16:creationId xmlns:a16="http://schemas.microsoft.com/office/drawing/2014/main" id="{226DA471-C4C1-40C8-956D-1EBED715FC40}"/>
+                <a16:creationId xmlns:a16="http://schemas.microsoft.com/office/drawing/2014/main" xmlns="" id="{226DA471-C4C1-40C8-956D-1EBED715FC40}"/>
               </a:ext>
             </a:extLst>
           </p:cNvPr>
@@ -17325,7 +17548,7 @@
           <p:cNvPr id="8" name="그림 7">
             <a:extLst>
               <a:ext uri="{FF2B5EF4-FFF2-40B4-BE49-F238E27FC236}">
-                <a16:creationId xmlns:a16="http://schemas.microsoft.com/office/drawing/2014/main" id="{A47FE4CA-6C6C-4359-809C-7DC5231CD491}"/>
+                <a16:creationId xmlns:a16="http://schemas.microsoft.com/office/drawing/2014/main" xmlns="" id="{A47FE4CA-6C6C-4359-809C-7DC5231CD491}"/>
               </a:ext>
             </a:extLst>
           </p:cNvPr>
@@ -17355,7 +17578,7 @@
           <p:cNvPr id="14" name="TextBox 13">
             <a:extLst>
               <a:ext uri="{FF2B5EF4-FFF2-40B4-BE49-F238E27FC236}">
-                <a16:creationId xmlns:a16="http://schemas.microsoft.com/office/drawing/2014/main" id="{685F03E7-527A-48EA-AD4D-E6E7AB6EA045}"/>
+                <a16:creationId xmlns:a16="http://schemas.microsoft.com/office/drawing/2014/main" xmlns="" id="{685F03E7-527A-48EA-AD4D-E6E7AB6EA045}"/>
               </a:ext>
             </a:extLst>
           </p:cNvPr>
@@ -17437,7 +17660,7 @@
           <p:cNvPr id="3" name="내용 개체 틀 2">
             <a:extLst>
               <a:ext uri="{FF2B5EF4-FFF2-40B4-BE49-F238E27FC236}">
-                <a16:creationId xmlns:a16="http://schemas.microsoft.com/office/drawing/2014/main" id="{D10529F5-70AA-4BE6-965B-EE371D490CFB}"/>
+                <a16:creationId xmlns:a16="http://schemas.microsoft.com/office/drawing/2014/main" xmlns="" id="{D10529F5-70AA-4BE6-965B-EE371D490CFB}"/>
               </a:ext>
             </a:extLst>
           </p:cNvPr>
@@ -17500,7 +17723,7 @@
           <p:cNvPr id="4" name="제목 1">
             <a:extLst>
               <a:ext uri="{FF2B5EF4-FFF2-40B4-BE49-F238E27FC236}">
-                <a16:creationId xmlns:a16="http://schemas.microsoft.com/office/drawing/2014/main" id="{49EE42AC-7A84-47AF-8B7A-A49406664A70}"/>
+                <a16:creationId xmlns:a16="http://schemas.microsoft.com/office/drawing/2014/main" xmlns="" id="{49EE42AC-7A84-47AF-8B7A-A49406664A70}"/>
               </a:ext>
             </a:extLst>
           </p:cNvPr>
@@ -17528,6 +17751,10 @@
             <a:r>
               <a:rPr lang="ko-KR" altLang="en-US" dirty="0"/>
               <a:t>기본</a:t>
+            </a:r>
+            <a:r>
+              <a:rPr lang="en-US" altLang="ko-KR" dirty="0"/>
+              <a:t/>
             </a:r>
             <a:br>
               <a:rPr lang="en-US" altLang="ko-KR" dirty="0"/>
@@ -17579,7 +17806,7 @@
           <p:cNvPr id="3" name="내용 개체 틀 2">
             <a:extLst>
               <a:ext uri="{FF2B5EF4-FFF2-40B4-BE49-F238E27FC236}">
-                <a16:creationId xmlns:a16="http://schemas.microsoft.com/office/drawing/2014/main" id="{D10529F5-70AA-4BE6-965B-EE371D490CFB}"/>
+                <a16:creationId xmlns:a16="http://schemas.microsoft.com/office/drawing/2014/main" xmlns="" id="{D10529F5-70AA-4BE6-965B-EE371D490CFB}"/>
               </a:ext>
             </a:extLst>
           </p:cNvPr>
@@ -17701,7 +17928,7 @@
           <p:cNvPr id="4" name="제목 1">
             <a:extLst>
               <a:ext uri="{FF2B5EF4-FFF2-40B4-BE49-F238E27FC236}">
-                <a16:creationId xmlns:a16="http://schemas.microsoft.com/office/drawing/2014/main" id="{49EE42AC-7A84-47AF-8B7A-A49406664A70}"/>
+                <a16:creationId xmlns:a16="http://schemas.microsoft.com/office/drawing/2014/main" xmlns="" id="{49EE42AC-7A84-47AF-8B7A-A49406664A70}"/>
               </a:ext>
             </a:extLst>
           </p:cNvPr>
@@ -17730,6 +17957,10 @@
               <a:rPr lang="ko-KR" altLang="en-US" dirty="0"/>
               <a:t>기본</a:t>
             </a:r>
+            <a:r>
+              <a:rPr lang="en-US" altLang="ko-KR" dirty="0"/>
+              <a:t/>
+            </a:r>
             <a:br>
               <a:rPr lang="en-US" altLang="ko-KR" dirty="0"/>
             </a:br>
@@ -17750,7 +17981,7 @@
           <p:cNvPr id="5" name="그림 4">
             <a:extLst>
               <a:ext uri="{FF2B5EF4-FFF2-40B4-BE49-F238E27FC236}">
-                <a16:creationId xmlns:a16="http://schemas.microsoft.com/office/drawing/2014/main" id="{CD6CE7C0-ADD3-408E-8920-9F90AC05A0EB}"/>
+                <a16:creationId xmlns:a16="http://schemas.microsoft.com/office/drawing/2014/main" xmlns="" id="{CD6CE7C0-ADD3-408E-8920-9F90AC05A0EB}"/>
               </a:ext>
             </a:extLst>
           </p:cNvPr>
@@ -17780,7 +18011,7 @@
           <p:cNvPr id="7" name="그림 6">
             <a:extLst>
               <a:ext uri="{FF2B5EF4-FFF2-40B4-BE49-F238E27FC236}">
-                <a16:creationId xmlns:a16="http://schemas.microsoft.com/office/drawing/2014/main" id="{2044274C-FFBB-49CB-85D9-DF1A3DB950E6}"/>
+                <a16:creationId xmlns:a16="http://schemas.microsoft.com/office/drawing/2014/main" xmlns="" id="{2044274C-FFBB-49CB-85D9-DF1A3DB950E6}"/>
               </a:ext>
             </a:extLst>
           </p:cNvPr>
@@ -17815,7 +18046,7 @@
           <p:cNvPr id="9" name="그림 8">
             <a:extLst>
               <a:ext uri="{FF2B5EF4-FFF2-40B4-BE49-F238E27FC236}">
-                <a16:creationId xmlns:a16="http://schemas.microsoft.com/office/drawing/2014/main" id="{8AE92C7A-6B91-4919-9E8D-AE3B291D8AEE}"/>
+                <a16:creationId xmlns:a16="http://schemas.microsoft.com/office/drawing/2014/main" xmlns="" id="{8AE92C7A-6B91-4919-9E8D-AE3B291D8AEE}"/>
               </a:ext>
             </a:extLst>
           </p:cNvPr>
@@ -17849,7 +18080,7 @@
           <p:cNvPr id="11" name="그림 10">
             <a:extLst>
               <a:ext uri="{FF2B5EF4-FFF2-40B4-BE49-F238E27FC236}">
-                <a16:creationId xmlns:a16="http://schemas.microsoft.com/office/drawing/2014/main" id="{6C1C064C-BFD8-4E53-9391-8BFA6497B2B4}"/>
+                <a16:creationId xmlns:a16="http://schemas.microsoft.com/office/drawing/2014/main" xmlns="" id="{6C1C064C-BFD8-4E53-9391-8BFA6497B2B4}"/>
               </a:ext>
             </a:extLst>
           </p:cNvPr>
@@ -17884,7 +18115,7 @@
           <p:cNvPr id="12" name="직선 화살표 연결선 11">
             <a:extLst>
               <a:ext uri="{FF2B5EF4-FFF2-40B4-BE49-F238E27FC236}">
-                <a16:creationId xmlns:a16="http://schemas.microsoft.com/office/drawing/2014/main" id="{347D9751-E552-4041-BA90-8B2FFADB3DD3}"/>
+                <a16:creationId xmlns:a16="http://schemas.microsoft.com/office/drawing/2014/main" xmlns="" id="{347D9751-E552-4041-BA90-8B2FFADB3DD3}"/>
               </a:ext>
             </a:extLst>
           </p:cNvPr>
@@ -17928,7 +18159,7 @@
           <p:cNvPr id="14" name="직선 화살표 연결선 13">
             <a:extLst>
               <a:ext uri="{FF2B5EF4-FFF2-40B4-BE49-F238E27FC236}">
-                <a16:creationId xmlns:a16="http://schemas.microsoft.com/office/drawing/2014/main" id="{980E6CA3-4A21-4138-AC2F-5C0050F0D38F}"/>
+                <a16:creationId xmlns:a16="http://schemas.microsoft.com/office/drawing/2014/main" xmlns="" id="{980E6CA3-4A21-4138-AC2F-5C0050F0D38F}"/>
               </a:ext>
             </a:extLst>
           </p:cNvPr>
@@ -17972,7 +18203,7 @@
           <p:cNvPr id="16" name="직선 화살표 연결선 15">
             <a:extLst>
               <a:ext uri="{FF2B5EF4-FFF2-40B4-BE49-F238E27FC236}">
-                <a16:creationId xmlns:a16="http://schemas.microsoft.com/office/drawing/2014/main" id="{150028BD-BECE-4BEA-817F-BDF2D46E5715}"/>
+                <a16:creationId xmlns:a16="http://schemas.microsoft.com/office/drawing/2014/main" xmlns="" id="{150028BD-BECE-4BEA-817F-BDF2D46E5715}"/>
               </a:ext>
             </a:extLst>
           </p:cNvPr>
@@ -18046,7 +18277,7 @@
           <p:cNvPr id="3" name="내용 개체 틀 2">
             <a:extLst>
               <a:ext uri="{FF2B5EF4-FFF2-40B4-BE49-F238E27FC236}">
-                <a16:creationId xmlns:a16="http://schemas.microsoft.com/office/drawing/2014/main" id="{D10529F5-70AA-4BE6-965B-EE371D490CFB}"/>
+                <a16:creationId xmlns:a16="http://schemas.microsoft.com/office/drawing/2014/main" xmlns="" id="{D10529F5-70AA-4BE6-965B-EE371D490CFB}"/>
               </a:ext>
             </a:extLst>
           </p:cNvPr>
@@ -18088,7 +18319,7 @@
           <p:cNvPr id="4" name="제목 1">
             <a:extLst>
               <a:ext uri="{FF2B5EF4-FFF2-40B4-BE49-F238E27FC236}">
-                <a16:creationId xmlns:a16="http://schemas.microsoft.com/office/drawing/2014/main" id="{49EE42AC-7A84-47AF-8B7A-A49406664A70}"/>
+                <a16:creationId xmlns:a16="http://schemas.microsoft.com/office/drawing/2014/main" xmlns="" id="{49EE42AC-7A84-47AF-8B7A-A49406664A70}"/>
               </a:ext>
             </a:extLst>
           </p:cNvPr>
@@ -18117,6 +18348,10 @@
               <a:rPr lang="ko-KR" altLang="en-US" dirty="0"/>
               <a:t>기본</a:t>
             </a:r>
+            <a:r>
+              <a:rPr lang="en-US" altLang="ko-KR" dirty="0"/>
+              <a:t/>
+            </a:r>
             <a:br>
               <a:rPr lang="en-US" altLang="ko-KR" dirty="0"/>
             </a:br>
@@ -18137,7 +18372,7 @@
           <p:cNvPr id="2" name="표 5">
             <a:extLst>
               <a:ext uri="{FF2B5EF4-FFF2-40B4-BE49-F238E27FC236}">
-                <a16:creationId xmlns:a16="http://schemas.microsoft.com/office/drawing/2014/main" id="{694EE72B-EDE9-4029-ADBF-DDF7129267BF}"/>
+                <a16:creationId xmlns:a16="http://schemas.microsoft.com/office/drawing/2014/main" xmlns="" id="{694EE72B-EDE9-4029-ADBF-DDF7129267BF}"/>
               </a:ext>
             </a:extLst>
           </p:cNvPr>
@@ -18166,14 +18401,14 @@
                 <a:gridCol w="3048000">
                   <a:extLst>
                     <a:ext uri="{9D8B030D-6E8A-4147-A177-3AD203B41FA5}">
-                      <a16:colId xmlns:a16="http://schemas.microsoft.com/office/drawing/2014/main" val="796613977"/>
+                      <a16:colId xmlns:a16="http://schemas.microsoft.com/office/drawing/2014/main" xmlns="" val="796613977"/>
                     </a:ext>
                   </a:extLst>
                 </a:gridCol>
                 <a:gridCol w="3048000">
                   <a:extLst>
                     <a:ext uri="{9D8B030D-6E8A-4147-A177-3AD203B41FA5}">
-                      <a16:colId xmlns:a16="http://schemas.microsoft.com/office/drawing/2014/main" val="1653675412"/>
+                      <a16:colId xmlns:a16="http://schemas.microsoft.com/office/drawing/2014/main" xmlns="" val="1653675412"/>
                     </a:ext>
                   </a:extLst>
                 </a:gridCol>
@@ -18211,7 +18446,7 @@
                 </a:tc>
                 <a:extLst>
                   <a:ext uri="{0D108BD9-81ED-4DB2-BD59-A6C34878D82A}">
-                    <a16:rowId xmlns:a16="http://schemas.microsoft.com/office/drawing/2014/main" val="30364947"/>
+                    <a16:rowId xmlns:a16="http://schemas.microsoft.com/office/drawing/2014/main" xmlns="" val="30364947"/>
                   </a:ext>
                 </a:extLst>
               </a:tr>
@@ -18248,7 +18483,7 @@
                 </a:tc>
                 <a:extLst>
                   <a:ext uri="{0D108BD9-81ED-4DB2-BD59-A6C34878D82A}">
-                    <a16:rowId xmlns:a16="http://schemas.microsoft.com/office/drawing/2014/main" val="1872648419"/>
+                    <a16:rowId xmlns:a16="http://schemas.microsoft.com/office/drawing/2014/main" xmlns="" val="1872648419"/>
                   </a:ext>
                 </a:extLst>
               </a:tr>
@@ -18285,7 +18520,7 @@
                 </a:tc>
                 <a:extLst>
                   <a:ext uri="{0D108BD9-81ED-4DB2-BD59-A6C34878D82A}">
-                    <a16:rowId xmlns:a16="http://schemas.microsoft.com/office/drawing/2014/main" val="3616600592"/>
+                    <a16:rowId xmlns:a16="http://schemas.microsoft.com/office/drawing/2014/main" xmlns="" val="3616600592"/>
                   </a:ext>
                 </a:extLst>
               </a:tr>
@@ -18322,7 +18557,7 @@
                 </a:tc>
                 <a:extLst>
                   <a:ext uri="{0D108BD9-81ED-4DB2-BD59-A6C34878D82A}">
-                    <a16:rowId xmlns:a16="http://schemas.microsoft.com/office/drawing/2014/main" val="497101841"/>
+                    <a16:rowId xmlns:a16="http://schemas.microsoft.com/office/drawing/2014/main" xmlns="" val="497101841"/>
                   </a:ext>
                 </a:extLst>
               </a:tr>
@@ -18357,7 +18592,7 @@
                 </a:tc>
                 <a:extLst>
                   <a:ext uri="{0D108BD9-81ED-4DB2-BD59-A6C34878D82A}">
-                    <a16:rowId xmlns:a16="http://schemas.microsoft.com/office/drawing/2014/main" val="2098373131"/>
+                    <a16:rowId xmlns:a16="http://schemas.microsoft.com/office/drawing/2014/main" xmlns="" val="2098373131"/>
                   </a:ext>
                 </a:extLst>
               </a:tr>
@@ -18389,7 +18624,7 @@
                 </a:tc>
                 <a:extLst>
                   <a:ext uri="{0D108BD9-81ED-4DB2-BD59-A6C34878D82A}">
-                    <a16:rowId xmlns:a16="http://schemas.microsoft.com/office/drawing/2014/main" val="3157464284"/>
+                    <a16:rowId xmlns:a16="http://schemas.microsoft.com/office/drawing/2014/main" xmlns="" val="3157464284"/>
                   </a:ext>
                 </a:extLst>
               </a:tr>
@@ -18425,7 +18660,7 @@
                 </a:tc>
                 <a:extLst>
                   <a:ext uri="{0D108BD9-81ED-4DB2-BD59-A6C34878D82A}">
-                    <a16:rowId xmlns:a16="http://schemas.microsoft.com/office/drawing/2014/main" val="574362642"/>
+                    <a16:rowId xmlns:a16="http://schemas.microsoft.com/office/drawing/2014/main" xmlns="" val="574362642"/>
                   </a:ext>
                 </a:extLst>
               </a:tr>
@@ -18438,7 +18673,7 @@
           <p:cNvPr id="13" name="TextBox 12">
             <a:extLst>
               <a:ext uri="{FF2B5EF4-FFF2-40B4-BE49-F238E27FC236}">
-                <a16:creationId xmlns:a16="http://schemas.microsoft.com/office/drawing/2014/main" id="{B0F4C889-EC8D-4705-9F46-131301CE8545}"/>
+                <a16:creationId xmlns:a16="http://schemas.microsoft.com/office/drawing/2014/main" xmlns="" id="{B0F4C889-EC8D-4705-9F46-131301CE8545}"/>
               </a:ext>
             </a:extLst>
           </p:cNvPr>
@@ -18485,7 +18720,7 @@
           <p:cNvPr id="10" name="그림 9">
             <a:extLst>
               <a:ext uri="{FF2B5EF4-FFF2-40B4-BE49-F238E27FC236}">
-                <a16:creationId xmlns:a16="http://schemas.microsoft.com/office/drawing/2014/main" id="{E079D13A-31AE-4F69-B520-F7A39F07BE49}"/>
+                <a16:creationId xmlns:a16="http://schemas.microsoft.com/office/drawing/2014/main" xmlns="" id="{E079D13A-31AE-4F69-B520-F7A39F07BE49}"/>
               </a:ext>
             </a:extLst>
           </p:cNvPr>
@@ -18520,7 +18755,7 @@
           <p:cNvPr id="17" name="그림 16">
             <a:extLst>
               <a:ext uri="{FF2B5EF4-FFF2-40B4-BE49-F238E27FC236}">
-                <a16:creationId xmlns:a16="http://schemas.microsoft.com/office/drawing/2014/main" id="{628D750D-C25E-4AFE-B5BA-E511A5EADF4E}"/>
+                <a16:creationId xmlns:a16="http://schemas.microsoft.com/office/drawing/2014/main" xmlns="" id="{628D750D-C25E-4AFE-B5BA-E511A5EADF4E}"/>
               </a:ext>
             </a:extLst>
           </p:cNvPr>
@@ -18585,7 +18820,7 @@
           <p:cNvPr id="3" name="내용 개체 틀 2">
             <a:extLst>
               <a:ext uri="{FF2B5EF4-FFF2-40B4-BE49-F238E27FC236}">
-                <a16:creationId xmlns:a16="http://schemas.microsoft.com/office/drawing/2014/main" id="{D10529F5-70AA-4BE6-965B-EE371D490CFB}"/>
+                <a16:creationId xmlns:a16="http://schemas.microsoft.com/office/drawing/2014/main" xmlns="" id="{D10529F5-70AA-4BE6-965B-EE371D490CFB}"/>
               </a:ext>
             </a:extLst>
           </p:cNvPr>
@@ -18690,7 +18925,7 @@
           <p:cNvPr id="4" name="제목 1">
             <a:extLst>
               <a:ext uri="{FF2B5EF4-FFF2-40B4-BE49-F238E27FC236}">
-                <a16:creationId xmlns:a16="http://schemas.microsoft.com/office/drawing/2014/main" id="{49EE42AC-7A84-47AF-8B7A-A49406664A70}"/>
+                <a16:creationId xmlns:a16="http://schemas.microsoft.com/office/drawing/2014/main" xmlns="" id="{49EE42AC-7A84-47AF-8B7A-A49406664A70}"/>
               </a:ext>
             </a:extLst>
           </p:cNvPr>
@@ -18719,6 +18954,10 @@
               <a:rPr lang="ko-KR" altLang="en-US" dirty="0"/>
               <a:t>기본</a:t>
             </a:r>
+            <a:r>
+              <a:rPr lang="en-US" altLang="ko-KR" dirty="0"/>
+              <a:t/>
+            </a:r>
             <a:br>
               <a:rPr lang="en-US" altLang="ko-KR" dirty="0"/>
             </a:br>
@@ -18739,7 +18978,7 @@
           <p:cNvPr id="8" name="표 5">
             <a:extLst>
               <a:ext uri="{FF2B5EF4-FFF2-40B4-BE49-F238E27FC236}">
-                <a16:creationId xmlns:a16="http://schemas.microsoft.com/office/drawing/2014/main" id="{3AB3FD71-98E3-4224-B908-29F59EF1B911}"/>
+                <a16:creationId xmlns:a16="http://schemas.microsoft.com/office/drawing/2014/main" xmlns="" id="{3AB3FD71-98E3-4224-B908-29F59EF1B911}"/>
               </a:ext>
             </a:extLst>
           </p:cNvPr>
@@ -18768,14 +19007,14 @@
                 <a:gridCol w="3260576">
                   <a:extLst>
                     <a:ext uri="{9D8B030D-6E8A-4147-A177-3AD203B41FA5}">
-                      <a16:colId xmlns:a16="http://schemas.microsoft.com/office/drawing/2014/main" val="796613977"/>
+                      <a16:colId xmlns:a16="http://schemas.microsoft.com/office/drawing/2014/main" xmlns="" val="796613977"/>
                     </a:ext>
                   </a:extLst>
                 </a:gridCol>
                 <a:gridCol w="3260576">
                   <a:extLst>
                     <a:ext uri="{9D8B030D-6E8A-4147-A177-3AD203B41FA5}">
-                      <a16:colId xmlns:a16="http://schemas.microsoft.com/office/drawing/2014/main" val="1653675412"/>
+                      <a16:colId xmlns:a16="http://schemas.microsoft.com/office/drawing/2014/main" xmlns="" val="1653675412"/>
                     </a:ext>
                   </a:extLst>
                 </a:gridCol>
@@ -18811,7 +19050,7 @@
                 </a:tc>
                 <a:extLst>
                   <a:ext uri="{0D108BD9-81ED-4DB2-BD59-A6C34878D82A}">
-                    <a16:rowId xmlns:a16="http://schemas.microsoft.com/office/drawing/2014/main" val="30364947"/>
+                    <a16:rowId xmlns:a16="http://schemas.microsoft.com/office/drawing/2014/main" xmlns="" val="30364947"/>
                   </a:ext>
                 </a:extLst>
               </a:tr>
@@ -18847,7 +19086,7 @@
                 </a:tc>
                 <a:extLst>
                   <a:ext uri="{0D108BD9-81ED-4DB2-BD59-A6C34878D82A}">
-                    <a16:rowId xmlns:a16="http://schemas.microsoft.com/office/drawing/2014/main" val="1872648419"/>
+                    <a16:rowId xmlns:a16="http://schemas.microsoft.com/office/drawing/2014/main" xmlns="" val="1872648419"/>
                   </a:ext>
                 </a:extLst>
               </a:tr>
@@ -18883,7 +19122,7 @@
                 </a:tc>
                 <a:extLst>
                   <a:ext uri="{0D108BD9-81ED-4DB2-BD59-A6C34878D82A}">
-                    <a16:rowId xmlns:a16="http://schemas.microsoft.com/office/drawing/2014/main" val="3616600592"/>
+                    <a16:rowId xmlns:a16="http://schemas.microsoft.com/office/drawing/2014/main" xmlns="" val="3616600592"/>
                   </a:ext>
                 </a:extLst>
               </a:tr>
@@ -18919,7 +19158,7 @@
                 </a:tc>
                 <a:extLst>
                   <a:ext uri="{0D108BD9-81ED-4DB2-BD59-A6C34878D82A}">
-                    <a16:rowId xmlns:a16="http://schemas.microsoft.com/office/drawing/2014/main" val="497101841"/>
+                    <a16:rowId xmlns:a16="http://schemas.microsoft.com/office/drawing/2014/main" xmlns="" val="497101841"/>
                   </a:ext>
                 </a:extLst>
               </a:tr>
@@ -18955,7 +19194,7 @@
                 </a:tc>
                 <a:extLst>
                   <a:ext uri="{0D108BD9-81ED-4DB2-BD59-A6C34878D82A}">
-                    <a16:rowId xmlns:a16="http://schemas.microsoft.com/office/drawing/2014/main" val="2098373131"/>
+                    <a16:rowId xmlns:a16="http://schemas.microsoft.com/office/drawing/2014/main" xmlns="" val="2098373131"/>
                   </a:ext>
                 </a:extLst>
               </a:tr>
@@ -18991,7 +19230,7 @@
                 </a:tc>
                 <a:extLst>
                   <a:ext uri="{0D108BD9-81ED-4DB2-BD59-A6C34878D82A}">
-                    <a16:rowId xmlns:a16="http://schemas.microsoft.com/office/drawing/2014/main" val="3157464284"/>
+                    <a16:rowId xmlns:a16="http://schemas.microsoft.com/office/drawing/2014/main" xmlns="" val="3157464284"/>
                   </a:ext>
                 </a:extLst>
               </a:tr>
@@ -19028,7 +19267,7 @@
                 </a:tc>
                 <a:extLst>
                   <a:ext uri="{0D108BD9-81ED-4DB2-BD59-A6C34878D82A}">
-                    <a16:rowId xmlns:a16="http://schemas.microsoft.com/office/drawing/2014/main" val="574362642"/>
+                    <a16:rowId xmlns:a16="http://schemas.microsoft.com/office/drawing/2014/main" xmlns="" val="574362642"/>
                   </a:ext>
                 </a:extLst>
               </a:tr>
@@ -19202,6 +19441,10 @@
               <a:rPr lang="ko-KR" altLang="en-US" dirty="0"/>
               <a:t>개요</a:t>
             </a:r>
+            <a:r>
+              <a:rPr lang="en-US" altLang="ko-KR" dirty="0"/>
+              <a:t/>
+            </a:r>
             <a:br>
               <a:rPr lang="en-US" altLang="ko-KR" dirty="0"/>
             </a:br>
@@ -19288,12 +19531,16 @@
               <a:t>의 팀 </a:t>
             </a:r>
             <a:r>
-              <a:rPr lang="ko-KR" altLang="en-US" dirty="0" err="1"/>
-              <a:t>버너스가</a:t>
-            </a:r>
-            <a:r>
-              <a:rPr lang="ko-KR" altLang="en-US" dirty="0"/>
-              <a:t> 개발함</a:t>
+              <a:rPr lang="ko-KR" altLang="en-US" dirty="0" err="1" smtClean="0"/>
+              <a:t>버너스</a:t>
+            </a:r>
+            <a:r>
+              <a:rPr lang="ko-KR" altLang="en-US" dirty="0" smtClean="0"/>
+              <a:t> 리가 </a:t>
+            </a:r>
+            <a:r>
+              <a:rPr lang="ko-KR" altLang="en-US" dirty="0"/>
+              <a:t>개발함</a:t>
             </a:r>
             <a:endParaRPr lang="en-US" altLang="ko-KR" dirty="0"/>
           </a:p>
@@ -19368,12 +19615,8 @@
               <a:t>여기서 적용되는 </a:t>
             </a:r>
             <a:r>
-              <a:rPr lang="ko-KR" altLang="en-US" dirty="0" err="1"/>
-              <a:t>규악이</a:t>
-            </a:r>
-            <a:r>
-              <a:rPr lang="ko-KR" altLang="en-US" dirty="0"/>
-              <a:t> </a:t>
+              <a:rPr lang="ko-KR" altLang="en-US" dirty="0" smtClean="0"/>
+              <a:t>규약이 </a:t>
             </a:r>
             <a:r>
               <a:rPr lang="en-US" altLang="ko-KR" dirty="0"/>
@@ -19394,12 +19637,12 @@
               <a:t>팀 </a:t>
             </a:r>
             <a:r>
-              <a:rPr lang="ko-KR" altLang="en-US" dirty="0" err="1"/>
-              <a:t>버너스리는</a:t>
-            </a:r>
-            <a:r>
-              <a:rPr lang="ko-KR" altLang="en-US" dirty="0"/>
-              <a:t> </a:t>
+              <a:rPr lang="ko-KR" altLang="en-US" dirty="0" err="1" smtClean="0"/>
+              <a:t>버너스</a:t>
+            </a:r>
+            <a:r>
+              <a:rPr lang="ko-KR" altLang="en-US" dirty="0" smtClean="0"/>
+              <a:t> 리는 </a:t>
             </a:r>
             <a:r>
               <a:rPr lang="en-US" altLang="ko-KR" dirty="0"/>
@@ -19418,12 +19661,12 @@
               <a:t>이 기관은 </a:t>
             </a:r>
             <a:r>
-              <a:rPr lang="ko-KR" altLang="en-US" dirty="0" err="1"/>
-              <a:t>웹표준을</a:t>
-            </a:r>
-            <a:r>
-              <a:rPr lang="ko-KR" altLang="en-US" dirty="0"/>
-              <a:t> 정의함</a:t>
+              <a:rPr lang="ko-KR" altLang="en-US" dirty="0" smtClean="0"/>
+              <a:t>웹 표준을 </a:t>
+            </a:r>
+            <a:r>
+              <a:rPr lang="ko-KR" altLang="en-US" dirty="0"/>
+              <a:t>정의함</a:t>
             </a:r>
             <a:endParaRPr lang="en-US" altLang="ko-KR" dirty="0"/>
           </a:p>
@@ -19438,12 +19681,12 @@
               <a:t>은 이 </a:t>
             </a:r>
             <a:r>
-              <a:rPr lang="ko-KR" altLang="en-US" dirty="0" err="1"/>
-              <a:t>웹표준규격이</a:t>
-            </a:r>
-            <a:r>
-              <a:rPr lang="ko-KR" altLang="en-US" dirty="0"/>
-              <a:t> 적용된 웹 페이지 언어</a:t>
+              <a:rPr lang="ko-KR" altLang="en-US" dirty="0" smtClean="0"/>
+              <a:t>웹 표준 규격이 </a:t>
+            </a:r>
+            <a:r>
+              <a:rPr lang="ko-KR" altLang="en-US" dirty="0"/>
+              <a:t>적용된 웹 페이지 언어</a:t>
             </a:r>
             <a:endParaRPr lang="en-US" altLang="ko-KR" dirty="0"/>
           </a:p>
@@ -19480,6 +19723,10 @@
             <a:r>
               <a:rPr lang="ko-KR" altLang="en-US" dirty="0"/>
               <a:t>개요</a:t>
+            </a:r>
+            <a:r>
+              <a:rPr lang="en-US" altLang="ko-KR" dirty="0"/>
+              <a:t/>
             </a:r>
             <a:br>
               <a:rPr lang="en-US" altLang="ko-KR" dirty="0"/>
@@ -19506,6 +19753,13 @@
   <p:clrMapOvr>
     <a:masterClrMapping/>
   </p:clrMapOvr>
+  <p:timing>
+    <p:tnLst>
+      <p:par>
+        <p:cTn id="1" dur="indefinite" restart="never" nodeType="tmRoot"/>
+      </p:par>
+    </p:tnLst>
+  </p:timing>
 </p:sld>
 </file>
 
@@ -19762,6 +20016,10 @@
               <a:rPr lang="ko-KR" altLang="en-US" dirty="0"/>
               <a:t>개요</a:t>
             </a:r>
+            <a:r>
+              <a:rPr lang="en-US" altLang="ko-KR" dirty="0"/>
+              <a:t/>
+            </a:r>
             <a:br>
               <a:rPr lang="en-US" altLang="ko-KR" dirty="0"/>
             </a:br>
@@ -19787,6 +20045,13 @@
   <p:clrMapOvr>
     <a:masterClrMapping/>
   </p:clrMapOvr>
+  <p:timing>
+    <p:tnLst>
+      <p:par>
+        <p:cTn id="1" dur="indefinite" restart="never" nodeType="tmRoot"/>
+      </p:par>
+    </p:tnLst>
+  </p:timing>
 </p:sld>
 </file>
 
@@ -19836,12 +20101,12 @@
           <a:p>
             <a:pPr lvl="1"/>
             <a:r>
-              <a:rPr lang="ko-KR" altLang="en-US" dirty="0" err="1"/>
-              <a:t>넷스케이프와</a:t>
-            </a:r>
-            <a:r>
-              <a:rPr lang="ko-KR" altLang="en-US" dirty="0"/>
-              <a:t> </a:t>
+              <a:rPr lang="en-US" altLang="ko-KR" dirty="0" smtClean="0"/>
+              <a:t>Netscape</a:t>
+            </a:r>
+            <a:r>
+              <a:rPr lang="ko-KR" altLang="en-US" dirty="0" smtClean="0"/>
+              <a:t>와 </a:t>
             </a:r>
             <a:r>
               <a:rPr lang="en-US" altLang="ko-KR" dirty="0"/>
@@ -19864,12 +20129,12 @@
               <a:t>의 </a:t>
             </a:r>
             <a:r>
-              <a:rPr lang="ko-KR" altLang="en-US" dirty="0" err="1"/>
-              <a:t>웹표준방안보고</a:t>
-            </a:r>
-            <a:r>
-              <a:rPr lang="ko-KR" altLang="en-US" dirty="0"/>
-              <a:t> 이 두 회사의 발전 속도가 더 빨랐음</a:t>
+              <a:rPr lang="ko-KR" altLang="en-US" dirty="0" smtClean="0"/>
+              <a:t>웹 표준 방안보고 </a:t>
+            </a:r>
+            <a:r>
+              <a:rPr lang="ko-KR" altLang="en-US" dirty="0"/>
+              <a:t>이 두 회사의 발전 속도가 더 빨랐음</a:t>
             </a:r>
             <a:endParaRPr lang="en-US" altLang="ko-KR" dirty="0"/>
           </a:p>
@@ -19880,12 +20145,12 @@
           <a:p>
             <a:pPr lvl="1"/>
             <a:r>
-              <a:rPr lang="ko-KR" altLang="en-US" dirty="0" err="1"/>
-              <a:t>웹브라우저만으로는</a:t>
-            </a:r>
-            <a:r>
-              <a:rPr lang="ko-KR" altLang="en-US" dirty="0"/>
-              <a:t> 할 수 있는 기능이 매우 제한적</a:t>
+              <a:rPr lang="ko-KR" altLang="en-US" dirty="0" smtClean="0"/>
+              <a:t>웹 브라우저만으로는 </a:t>
+            </a:r>
+            <a:r>
+              <a:rPr lang="ko-KR" altLang="en-US" dirty="0"/>
+              <a:t>할 수 있는 기능이 매우 제한적</a:t>
             </a:r>
             <a:endParaRPr lang="en-US" altLang="ko-KR" dirty="0"/>
           </a:p>
@@ -19912,12 +20177,12 @@
               <a:t>에 </a:t>
             </a:r>
             <a:r>
-              <a:rPr lang="ko-KR" altLang="en-US" dirty="0" err="1"/>
-              <a:t>웹브라우저와</a:t>
-            </a:r>
-            <a:r>
-              <a:rPr lang="ko-KR" altLang="en-US" dirty="0"/>
-              <a:t> 연동할 수 있는 프로그램을 설치</a:t>
+              <a:rPr lang="ko-KR" altLang="en-US" dirty="0" smtClean="0"/>
+              <a:t>웹 브라우저와 </a:t>
+            </a:r>
+            <a:r>
+              <a:rPr lang="ko-KR" altLang="en-US" dirty="0"/>
+              <a:t>연동할 수 있는 프로그램을 설치</a:t>
             </a:r>
             <a:endParaRPr lang="en-US" altLang="ko-KR" dirty="0"/>
           </a:p>
@@ -19932,12 +20197,12 @@
           <a:p>
             <a:pPr lvl="3"/>
             <a:r>
-              <a:rPr lang="ko-KR" altLang="en-US" dirty="0" err="1"/>
-              <a:t>액티브엑스</a:t>
-            </a:r>
-            <a:r>
-              <a:rPr lang="en-US" altLang="ko-KR" dirty="0"/>
-              <a:t>, </a:t>
+              <a:rPr lang="ko-KR" altLang="en-US" dirty="0" smtClean="0"/>
+              <a:t>액티브 </a:t>
+            </a:r>
+            <a:r>
+              <a:rPr lang="en-US" altLang="ko-KR" dirty="0" smtClean="0"/>
+              <a:t>X, </a:t>
             </a:r>
             <a:r>
               <a:rPr lang="ko-KR" altLang="en-US" dirty="0"/>
@@ -19986,6 +20251,10 @@
             <a:r>
               <a:rPr lang="ko-KR" altLang="en-US" dirty="0"/>
               <a:t>개요</a:t>
+            </a:r>
+            <a:r>
+              <a:rPr lang="en-US" altLang="ko-KR" dirty="0"/>
+              <a:t/>
             </a:r>
             <a:br>
               <a:rPr lang="en-US" altLang="ko-KR" dirty="0"/>
@@ -20012,6 +20281,13 @@
   <p:clrMapOvr>
     <a:masterClrMapping/>
   </p:clrMapOvr>
+  <p:timing>
+    <p:tnLst>
+      <p:par>
+        <p:cTn id="1" dur="indefinite" restart="never" nodeType="tmRoot"/>
+      </p:par>
+    </p:tnLst>
+  </p:timing>
 </p:sld>
 </file>
 
